--- a/presentation/render/career_behaviors.pptx
+++ b/presentation/render/career_behaviors.pptx
@@ -5,7 +5,7 @@
     <p:sldMasterId id="2147483648" r:id="rId1"/>
   </p:sldMasterIdLst>
   <p:notesMasterIdLst>
-    <p:NotesMasterId r:id="rId16"/>
+    <p:NotesMasterId r:id="rId27"/>
   </p:notesMasterIdLst>
   <p:sldIdLst>
     <p:sldId id="256" r:id="rId2"/>
@@ -22,6 +22,17 @@
     <p:sldId id="267" r:id="rId13"/>
     <p:sldId id="268" r:id="rId14"/>
     <p:sldId id="269" r:id="rId15"/>
+    <p:sldId id="270" r:id="rId16"/>
+    <p:sldId id="271" r:id="rId17"/>
+    <p:sldId id="272" r:id="rId18"/>
+    <p:sldId id="273" r:id="rId19"/>
+    <p:sldId id="274" r:id="rId20"/>
+    <p:sldId id="275" r:id="rId21"/>
+    <p:sldId id="276" r:id="rId22"/>
+    <p:sldId id="277" r:id="rId23"/>
+    <p:sldId id="278" r:id="rId24"/>
+    <p:sldId id="279" r:id="rId25"/>
+    <p:sldId id="280" r:id="rId26"/>
   </p:sldIdLst>
   <p:sldSz cx="12192000" cy="6858000"/>
   <p:notesSz cx="6858000" cy="9144000"/>
@@ -532,57 +543,550 @@
           <a:bodyPr/>
           <a:lstStyle/>
           <a:p>
+            <a:pPr lvl="1"/>
+            <a:r>
+              <a:rPr/>
+              <a:t>We</a:t>
+            </a:r>
+            <a:r>
+              <a:rPr/>
+              <a:t> </a:t>
+            </a:r>
+            <a:r>
+              <a:rPr/>
+              <a:t>will</a:t>
+            </a:r>
+            <a:r>
+              <a:rPr/>
+              <a:t> </a:t>
+            </a:r>
+            <a:r>
+              <a:rPr/>
+              <a:t>start</a:t>
+            </a:r>
+            <a:r>
+              <a:rPr/>
+              <a:t> </a:t>
+            </a:r>
+            <a:r>
+              <a:rPr/>
+              <a:t>with</a:t>
+            </a:r>
+            <a:r>
+              <a:rPr/>
+              <a:t> </a:t>
+            </a:r>
+            <a:r>
+              <a:rPr/>
+              <a:t>the</a:t>
+            </a:r>
+            <a:r>
+              <a:rPr/>
+              <a:t> </a:t>
+            </a:r>
+            <a:r>
+              <a:rPr/>
+              <a:t>individual</a:t>
+            </a:r>
+            <a:r>
+              <a:rPr/>
+              <a:t> </a:t>
+            </a:r>
+            <a:r>
+              <a:rPr/>
+              <a:t>person</a:t>
+            </a:r>
+            <a:r>
+              <a:rPr/>
+              <a:t> </a:t>
+            </a:r>
+            <a:r>
+              <a:rPr/>
+              <a:t>and</a:t>
+            </a:r>
+            <a:r>
+              <a:rPr/>
+              <a:t> </a:t>
+            </a:r>
+            <a:r>
+              <a:rPr/>
+              <a:t>a</a:t>
+            </a:r>
+            <a:r>
+              <a:rPr/>
+              <a:t> </a:t>
+            </a:r>
+            <a:r>
+              <a:rPr/>
+              <a:t>singular</a:t>
+            </a:r>
+            <a:r>
+              <a:rPr/>
+              <a:t> </a:t>
+            </a:r>
+            <a:r>
+              <a:rPr/>
+              <a:t>project</a:t>
+            </a:r>
+            <a:r>
+              <a:rPr/>
+              <a:t> </a:t>
+            </a:r>
+            <a:r>
+              <a:rPr/>
+              <a:t>(component).</a:t>
+            </a:r>
+          </a:p>
+          <a:p>
             <a:pPr lvl="0" marL="0" indent="0">
               <a:buNone/>
             </a:pPr>
-            <a:r>
-              <a:rPr/>
-              <a:t>Attribution:</a:t>
-            </a:r>
-            <a:br/>
-            <a:r>
-              <a:rPr/>
-              <a:t>Mihaly</a:t>
-            </a:r>
-            <a:r>
-              <a:rPr/>
-              <a:t> </a:t>
-            </a:r>
-            <a:r>
-              <a:rPr/>
-              <a:t>Csikszentmihályi</a:t>
-            </a:r>
-            <a:r>
-              <a:rPr/>
-              <a:t> </a:t>
-            </a:r>
-            <a:r>
-              <a:rPr/>
-              <a:t>(1990).</a:t>
-            </a:r>
-            <a:r>
-              <a:rPr/>
-              <a:t> </a:t>
-            </a:r>
-            <a:r>
-              <a:rPr/>
-              <a:t>Flow:</a:t>
-            </a:r>
-            <a:r>
-              <a:rPr/>
-              <a:t> </a:t>
-            </a:r>
-            <a:r>
-              <a:rPr/>
-              <a:t>The</a:t>
-            </a:r>
-            <a:r>
-              <a:rPr/>
-              <a:t> </a:t>
-            </a:r>
-            <a:r>
-              <a:rPr/>
-              <a:t>Psychology</a:t>
+          </a:p>
+          <a:p>
+            <a:pPr lvl="1"/>
+            <a:r>
+              <a:rPr/>
+              <a:t>We</a:t>
+            </a:r>
+            <a:r>
+              <a:rPr/>
+              <a:t> </a:t>
+            </a:r>
+            <a:r>
+              <a:rPr/>
+              <a:t>will</a:t>
+            </a:r>
+            <a:r>
+              <a:rPr/>
+              <a:t> </a:t>
+            </a:r>
+            <a:r>
+              <a:rPr/>
+              <a:t>explore</a:t>
+            </a:r>
+            <a:r>
+              <a:rPr/>
+              <a:t> </a:t>
+            </a:r>
+            <a:r>
+              <a:rPr/>
+              <a:t>current,</a:t>
+            </a:r>
+            <a:r>
+              <a:rPr/>
+              <a:t> </a:t>
+            </a:r>
+            <a:r>
+              <a:rPr/>
+              <a:t>short</a:t>
+            </a:r>
+            <a:r>
+              <a:rPr/>
+              <a:t> </a:t>
+            </a:r>
+            <a:r>
+              <a:rPr/>
+              <a:t>term</a:t>
+            </a:r>
+            <a:r>
+              <a:rPr/>
+              <a:t> </a:t>
+            </a:r>
+            <a:r>
+              <a:rPr/>
+              <a:t>future,</a:t>
+            </a:r>
+            <a:r>
+              <a:rPr/>
+              <a:t> </a:t>
+            </a:r>
+            <a:r>
+              <a:rPr/>
+              <a:t>medium</a:t>
+            </a:r>
+            <a:r>
+              <a:rPr/>
+              <a:t> </a:t>
+            </a:r>
+            <a:r>
+              <a:rPr/>
+              <a:t>term</a:t>
+            </a:r>
+            <a:r>
+              <a:rPr/>
+              <a:t> </a:t>
+            </a:r>
+            <a:r>
+              <a:rPr/>
+              <a:t>future</a:t>
+            </a:r>
+          </a:p>
+          <a:p>
+            <a:pPr lvl="0" marL="0" indent="0">
+              <a:buNone/>
+            </a:pPr>
+          </a:p>
+          <a:p>
+            <a:pPr lvl="1"/>
+            <a:r>
+              <a:rPr/>
+              <a:t>We</a:t>
+            </a:r>
+            <a:r>
+              <a:rPr/>
+              <a:t> </a:t>
+            </a:r>
+            <a:r>
+              <a:rPr/>
+              <a:t>will</a:t>
+            </a:r>
+            <a:r>
+              <a:rPr/>
+              <a:t> </a:t>
+            </a:r>
+            <a:r>
+              <a:rPr/>
+              <a:t>do</a:t>
+            </a:r>
+            <a:r>
+              <a:rPr/>
+              <a:t> </a:t>
+            </a:r>
+            <a:r>
+              <a:rPr/>
+              <a:t>a</a:t>
+            </a:r>
+            <a:r>
+              <a:rPr/>
+              <a:t> </a:t>
+            </a:r>
+            <a:r>
+              <a:rPr/>
+              <a:t>temporal</a:t>
+            </a:r>
+            <a:r>
+              <a:rPr/>
+              <a:t> </a:t>
+            </a:r>
+            <a:r>
+              <a:rPr/>
+              <a:t>shift</a:t>
+            </a:r>
+            <a:r>
+              <a:rPr/>
+              <a:t> </a:t>
+            </a:r>
+            <a:r>
+              <a:rPr/>
+              <a:t>to</a:t>
+            </a:r>
+            <a:r>
+              <a:rPr/>
+              <a:t> </a:t>
+            </a:r>
+            <a:r>
+              <a:rPr/>
+              <a:t>past</a:t>
+            </a:r>
+            <a:r>
+              <a:rPr/>
+              <a:t> </a:t>
+            </a:r>
+            <a:r>
+              <a:rPr/>
+              <a:t>(current),</a:t>
+            </a:r>
+            <a:r>
+              <a:rPr/>
+              <a:t> </a:t>
+            </a:r>
+            <a:r>
+              <a:rPr/>
+              <a:t>present</a:t>
+            </a:r>
+            <a:r>
+              <a:rPr/>
+              <a:t> </a:t>
+            </a:r>
+            <a:r>
+              <a:rPr/>
+              <a:t>(short</a:t>
+            </a:r>
+            <a:r>
+              <a:rPr/>
+              <a:t> </a:t>
+            </a:r>
+            <a:r>
+              <a:rPr/>
+              <a:t>term),</a:t>
+            </a:r>
+            <a:r>
+              <a:rPr/>
+              <a:t> </a:t>
+            </a:r>
+            <a:r>
+              <a:rPr/>
+              <a:t>future</a:t>
+            </a:r>
+            <a:r>
+              <a:rPr/>
+              <a:t> </a:t>
+            </a:r>
+            <a:r>
+              <a:rPr/>
+              <a:t>(medium</a:t>
+            </a:r>
+            <a:r>
+              <a:rPr/>
+              <a:t> </a:t>
+            </a:r>
+            <a:r>
+              <a:rPr/>
+              <a:t>term)</a:t>
+            </a:r>
+          </a:p>
+          <a:p>
+            <a:pPr lvl="0" marL="0" indent="0">
+              <a:buNone/>
+            </a:pPr>
+          </a:p>
+          <a:p>
+            <a:pPr lvl="1"/>
+            <a:r>
+              <a:rPr/>
+              <a:t>This</a:t>
+            </a:r>
+            <a:r>
+              <a:rPr/>
+              <a:t> </a:t>
+            </a:r>
+            <a:r>
+              <a:rPr/>
+              <a:t>part</a:t>
+            </a:r>
+            <a:r>
+              <a:rPr/>
+              <a:t> </a:t>
+            </a:r>
+            <a:r>
+              <a:rPr/>
+              <a:t>is</a:t>
+            </a:r>
+            <a:r>
+              <a:rPr/>
+              <a:t> </a:t>
+            </a:r>
+            <a:r>
+              <a:rPr/>
+              <a:t>well</a:t>
+            </a:r>
+            <a:r>
+              <a:rPr/>
+              <a:t> </a:t>
+            </a:r>
+            <a:r>
+              <a:rPr/>
+              <a:t>understood</a:t>
+            </a:r>
+          </a:p>
+        </p:txBody>
+      </p:sp>
+      <p:sp>
+        <p:nvSpPr>
+          <p:cNvPr id="4" name="Slide Number Placeholder 3"/>
+          <p:cNvSpPr>
+            <a:spLocks noGrp="1"/>
+          </p:cNvSpPr>
+          <p:nvPr>
+            <p:ph type="sldNum" sz="quarter" idx="10"/>
+          </p:nvPr>
+        </p:nvSpPr>
+        <p:spPr/>
+        <p:txBody>
+          <a:bodyPr/>
+          <a:lstStyle/>
+          <a:p>
+            <a:fld id="{18BDFEC3-8487-43E8-A154-7C12CBC1FFF2}" type="slidenum">
+              <a:rPr lang="en-US"/>
+              <a:t>9</a:t>
+            </a:fld>
+            <a:endParaRPr lang="en-US"/>
+          </a:p>
+        </p:txBody>
+      </p:sp>
+    </p:spTree>
+  </p:cSld>
+</p:notes>
+</file>
+
+<file path=ppt/notesSlides/notesSlide2.xml><?xml version="1.0" encoding="utf-8"?>
+<p:notes xmlns:a="http://schemas.openxmlformats.org/drawingml/2006/main" xmlns:r="http://schemas.openxmlformats.org/officeDocument/2006/relationships" xmlns:p="http://schemas.openxmlformats.org/presentationml/2006/main">
+  <p:cSld>
+    <p:spTree>
+      <p:nvGrpSpPr>
+        <p:cNvPr id="1" name=""/>
+        <p:cNvGrpSpPr/>
+        <p:nvPr/>
+      </p:nvGrpSpPr>
+      <p:grpSpPr>
+        <a:xfrm>
+          <a:off x="0" y="0"/>
+          <a:ext cx="0" cy="0"/>
+          <a:chOff x="0" y="0"/>
+          <a:chExt cx="0" cy="0"/>
+        </a:xfrm>
+      </p:grpSpPr>
+      <p:sp>
+        <p:nvSpPr>
+          <p:cNvPr id="2" name="Slide Image Placeholder 1"/>
+          <p:cNvSpPr>
+            <a:spLocks noGrp="1" noRot="1" noChangeAspect="1"/>
+          </p:cNvSpPr>
+          <p:nvPr>
+            <p:ph type="sldImg"/>
+          </p:nvPr>
+        </p:nvSpPr>
+        <p:spPr/>
+      </p:sp>
+      <p:sp>
+        <p:nvSpPr>
+          <p:cNvPr id="3" name="Notes Placeholder 2"/>
+          <p:cNvSpPr>
+            <a:spLocks noGrp="1"/>
+          </p:cNvSpPr>
+          <p:nvPr>
+            <p:ph type="body" idx="1"/>
+          </p:nvPr>
+        </p:nvSpPr>
+        <p:spPr/>
+        <p:txBody>
+          <a:bodyPr/>
+          <a:lstStyle/>
+          <a:p>
+            <a:pPr lvl="1"/>
+            <a:r>
+              <a:rPr/>
+              <a:t>We</a:t>
+            </a:r>
+            <a:r>
+              <a:rPr/>
+              <a:t> </a:t>
+            </a:r>
+            <a:r>
+              <a:rPr/>
+              <a:t>will</a:t>
+            </a:r>
+            <a:r>
+              <a:rPr/>
+              <a:t> </a:t>
+            </a:r>
+            <a:r>
+              <a:rPr/>
+              <a:t>continue</a:t>
+            </a:r>
+            <a:r>
+              <a:rPr/>
+              <a:t> </a:t>
+            </a:r>
+            <a:r>
+              <a:rPr/>
+              <a:t>with</a:t>
+            </a:r>
+            <a:r>
+              <a:rPr/>
+              <a:t> </a:t>
+            </a:r>
+            <a:r>
+              <a:rPr/>
+              <a:t>the</a:t>
+            </a:r>
+            <a:r>
+              <a:rPr/>
+              <a:t> </a:t>
+            </a:r>
+            <a:r>
+              <a:rPr/>
+              <a:t>singular</a:t>
+            </a:r>
+            <a:r>
+              <a:rPr/>
+              <a:t> </a:t>
+            </a:r>
+            <a:r>
+              <a:rPr/>
+              <a:t>person</a:t>
+            </a:r>
+            <a:r>
+              <a:rPr/>
+              <a:t> </a:t>
+            </a:r>
+            <a:r>
+              <a:rPr/>
+              <a:t>but</a:t>
+            </a:r>
+            <a:r>
+              <a:rPr/>
+              <a:t> </a:t>
+            </a:r>
+            <a:r>
+              <a:rPr/>
+              <a:t>we</a:t>
+            </a:r>
+            <a:r>
+              <a:rPr/>
+              <a:t> </a:t>
+            </a:r>
+            <a:r>
+              <a:rPr/>
+              <a:t>will</a:t>
+            </a:r>
+            <a:r>
+              <a:rPr/>
+              <a:t> </a:t>
+            </a:r>
+            <a:r>
+              <a:rPr/>
+              <a:t>introduce</a:t>
+            </a:r>
+            <a:r>
+              <a:rPr/>
+              <a:t> </a:t>
+            </a:r>
+            <a:r>
+              <a:rPr/>
+              <a:t>multiple</a:t>
+            </a:r>
+            <a:r>
+              <a:rPr/>
+              <a:t> </a:t>
+            </a:r>
+            <a:r>
+              <a:rPr/>
+              <a:t>projects</a:t>
+            </a:r>
+            <a:r>
+              <a:rPr/>
+              <a:t> </a:t>
+            </a:r>
+            <a:r>
+              <a:rPr/>
+              <a:t>at</a:t>
+            </a:r>
+            <a:r>
+              <a:rPr/>
+              <a:t> </a:t>
+            </a:r>
+            <a:r>
+              <a:rPr/>
+              <a:t>different</a:t>
+            </a:r>
+            <a:r>
+              <a:rPr/>
+              <a:t> </a:t>
+            </a:r>
+            <a:r>
+              <a:rPr/>
+              <a:t>levels</a:t>
             </a:r>
             <a:r>
               <a:rPr/>
@@ -598,23 +1102,235 @@
             </a:r>
             <a:r>
               <a:rPr/>
-              <a:t>Optimal</a:t>
-            </a:r>
-            <a:r>
-              <a:rPr/>
-              <a:t> </a:t>
-            </a:r>
-            <a:r>
-              <a:rPr/>
-              <a:t>Experience.</a:t>
-            </a:r>
-            <a:r>
-              <a:rPr/>
-              <a:t> </a:t>
-            </a:r>
-            <a:r>
-              <a:rPr/>
-              <a:t>https://en.wikipedia.org/wiki/Flow_(psychology)</a:t>
+              <a:t>progress.</a:t>
+            </a:r>
+          </a:p>
+          <a:p>
+            <a:pPr lvl="0" marL="0" indent="0">
+              <a:buNone/>
+            </a:pPr>
+          </a:p>
+          <a:p>
+            <a:pPr lvl="1"/>
+            <a:r>
+              <a:rPr/>
+              <a:t>Some</a:t>
+            </a:r>
+            <a:r>
+              <a:rPr/>
+              <a:t> </a:t>
+            </a:r>
+            <a:r>
+              <a:rPr/>
+              <a:t>projects</a:t>
+            </a:r>
+            <a:r>
+              <a:rPr/>
+              <a:t> </a:t>
+            </a:r>
+            <a:r>
+              <a:rPr/>
+              <a:t>are</a:t>
+            </a:r>
+            <a:r>
+              <a:rPr/>
+              <a:t> </a:t>
+            </a:r>
+            <a:r>
+              <a:rPr/>
+              <a:t>fun</a:t>
+            </a:r>
+            <a:r>
+              <a:rPr/>
+              <a:t> </a:t>
+            </a:r>
+            <a:r>
+              <a:rPr/>
+              <a:t>while</a:t>
+            </a:r>
+            <a:r>
+              <a:rPr/>
+              <a:t> </a:t>
+            </a:r>
+            <a:r>
+              <a:rPr/>
+              <a:t>others</a:t>
+            </a:r>
+            <a:r>
+              <a:rPr/>
+              <a:t> </a:t>
+            </a:r>
+            <a:r>
+              <a:rPr/>
+              <a:t>are</a:t>
+            </a:r>
+            <a:r>
+              <a:rPr/>
+              <a:t> </a:t>
+            </a:r>
+            <a:r>
+              <a:rPr/>
+              <a:t>not.</a:t>
+            </a:r>
+          </a:p>
+          <a:p>
+            <a:pPr lvl="0" marL="0" indent="0">
+              <a:buNone/>
+            </a:pPr>
+          </a:p>
+          <a:p>
+            <a:pPr lvl="1"/>
+            <a:r>
+              <a:rPr/>
+              <a:t>How</a:t>
+            </a:r>
+            <a:r>
+              <a:rPr/>
+              <a:t> </a:t>
+            </a:r>
+            <a:r>
+              <a:rPr/>
+              <a:t>does</a:t>
+            </a:r>
+            <a:r>
+              <a:rPr/>
+              <a:t> </a:t>
+            </a:r>
+            <a:r>
+              <a:rPr/>
+              <a:t>this</a:t>
+            </a:r>
+            <a:r>
+              <a:rPr/>
+              <a:t> </a:t>
+            </a:r>
+            <a:r>
+              <a:rPr/>
+              <a:t>individual</a:t>
+            </a:r>
+            <a:r>
+              <a:rPr/>
+              <a:t> </a:t>
+            </a:r>
+            <a:r>
+              <a:rPr/>
+              <a:t>feel</a:t>
+            </a:r>
+            <a:r>
+              <a:rPr/>
+              <a:t> </a:t>
+            </a:r>
+            <a:r>
+              <a:rPr/>
+              <a:t>motivated?</a:t>
+            </a:r>
+            <a:r>
+              <a:rPr/>
+              <a:t> </a:t>
+            </a:r>
+            <a:r>
+              <a:rPr/>
+              <a:t>(now</a:t>
+            </a:r>
+            <a:r>
+              <a:rPr/>
+              <a:t> </a:t>
+            </a:r>
+            <a:r>
+              <a:rPr/>
+              <a:t>add</a:t>
+            </a:r>
+            <a:r>
+              <a:rPr/>
+              <a:t> </a:t>
+            </a:r>
+            <a:r>
+              <a:rPr/>
+              <a:t>a</a:t>
+            </a:r>
+            <a:r>
+              <a:rPr/>
+              <a:t> </a:t>
+            </a:r>
+            <a:r>
+              <a:rPr/>
+              <a:t>pandemic</a:t>
+            </a:r>
+            <a:r>
+              <a:rPr/>
+              <a:t> </a:t>
+            </a:r>
+            <a:r>
+              <a:rPr/>
+              <a:t>on</a:t>
+            </a:r>
+            <a:r>
+              <a:rPr/>
+              <a:t> </a:t>
+            </a:r>
+            <a:r>
+              <a:rPr/>
+              <a:t>top</a:t>
+            </a:r>
+            <a:r>
+              <a:rPr/>
+              <a:t> </a:t>
+            </a:r>
+            <a:r>
+              <a:rPr/>
+              <a:t>of</a:t>
+            </a:r>
+            <a:r>
+              <a:rPr/>
+              <a:t> </a:t>
+            </a:r>
+            <a:r>
+              <a:rPr/>
+              <a:t>this)</a:t>
+            </a:r>
+          </a:p>
+          <a:p>
+            <a:pPr lvl="0" marL="0" indent="0">
+              <a:buNone/>
+            </a:pPr>
+          </a:p>
+          <a:p>
+            <a:pPr lvl="1"/>
+            <a:r>
+              <a:rPr/>
+              <a:t>This</a:t>
+            </a:r>
+            <a:r>
+              <a:rPr/>
+              <a:t> </a:t>
+            </a:r>
+            <a:r>
+              <a:rPr/>
+              <a:t>part</a:t>
+            </a:r>
+            <a:r>
+              <a:rPr/>
+              <a:t> </a:t>
+            </a:r>
+            <a:r>
+              <a:rPr/>
+              <a:t>is</a:t>
+            </a:r>
+            <a:r>
+              <a:rPr/>
+              <a:t> </a:t>
+            </a:r>
+            <a:r>
+              <a:rPr/>
+              <a:t>somewhat</a:t>
+            </a:r>
+            <a:r>
+              <a:rPr/>
+              <a:t> </a:t>
+            </a:r>
+            <a:r>
+              <a:rPr/>
+              <a:t>understood.</a:t>
             </a:r>
           </a:p>
         </p:txBody>
@@ -637,6 +1353,1323 @@
             <a:fld id="{18BDFEC3-8487-43E8-A154-7C12CBC1FFF2}" type="slidenum">
               <a:rPr lang="en-US"/>
               <a:t>10</a:t>
+            </a:fld>
+            <a:endParaRPr lang="en-US"/>
+          </a:p>
+        </p:txBody>
+      </p:sp>
+    </p:spTree>
+  </p:cSld>
+</p:notes>
+</file>
+
+<file path=ppt/notesSlides/notesSlide3.xml><?xml version="1.0" encoding="utf-8"?>
+<p:notes xmlns:a="http://schemas.openxmlformats.org/drawingml/2006/main" xmlns:r="http://schemas.openxmlformats.org/officeDocument/2006/relationships" xmlns:p="http://schemas.openxmlformats.org/presentationml/2006/main">
+  <p:cSld>
+    <p:spTree>
+      <p:nvGrpSpPr>
+        <p:cNvPr id="1" name=""/>
+        <p:cNvGrpSpPr/>
+        <p:nvPr/>
+      </p:nvGrpSpPr>
+      <p:grpSpPr>
+        <a:xfrm>
+          <a:off x="0" y="0"/>
+          <a:ext cx="0" cy="0"/>
+          <a:chOff x="0" y="0"/>
+          <a:chExt cx="0" cy="0"/>
+        </a:xfrm>
+      </p:grpSpPr>
+      <p:sp>
+        <p:nvSpPr>
+          <p:cNvPr id="2" name="Slide Image Placeholder 1"/>
+          <p:cNvSpPr>
+            <a:spLocks noGrp="1" noRot="1" noChangeAspect="1"/>
+          </p:cNvSpPr>
+          <p:nvPr>
+            <p:ph type="sldImg"/>
+          </p:nvPr>
+        </p:nvSpPr>
+        <p:spPr/>
+      </p:sp>
+      <p:sp>
+        <p:nvSpPr>
+          <p:cNvPr id="3" name="Notes Placeholder 2"/>
+          <p:cNvSpPr>
+            <a:spLocks noGrp="1"/>
+          </p:cNvSpPr>
+          <p:nvPr>
+            <p:ph type="body" idx="1"/>
+          </p:nvPr>
+        </p:nvSpPr>
+        <p:spPr/>
+        <p:txBody>
+          <a:bodyPr/>
+          <a:lstStyle/>
+          <a:p>
+            <a:pPr lvl="0" marL="0" indent="0">
+              <a:buNone/>
+            </a:pPr>
+            <a:r>
+              <a:rPr/>
+              <a:t>Attribution:</a:t>
+            </a:r>
+            <a:br/>
+            <a:r>
+              <a:rPr/>
+              <a:t>Mihaly</a:t>
+            </a:r>
+            <a:r>
+              <a:rPr/>
+              <a:t> </a:t>
+            </a:r>
+            <a:r>
+              <a:rPr/>
+              <a:t>Csikszentmihályi</a:t>
+            </a:r>
+            <a:r>
+              <a:rPr/>
+              <a:t> </a:t>
+            </a:r>
+            <a:r>
+              <a:rPr/>
+              <a:t>(1990).</a:t>
+            </a:r>
+            <a:r>
+              <a:rPr/>
+              <a:t> </a:t>
+            </a:r>
+            <a:r>
+              <a:rPr/>
+              <a:t>Flow:</a:t>
+            </a:r>
+            <a:r>
+              <a:rPr/>
+              <a:t> </a:t>
+            </a:r>
+            <a:r>
+              <a:rPr/>
+              <a:t>The</a:t>
+            </a:r>
+            <a:r>
+              <a:rPr/>
+              <a:t> </a:t>
+            </a:r>
+            <a:r>
+              <a:rPr/>
+              <a:t>Psychology</a:t>
+            </a:r>
+            <a:r>
+              <a:rPr/>
+              <a:t> </a:t>
+            </a:r>
+            <a:r>
+              <a:rPr/>
+              <a:t>of</a:t>
+            </a:r>
+            <a:r>
+              <a:rPr/>
+              <a:t> </a:t>
+            </a:r>
+            <a:r>
+              <a:rPr/>
+              <a:t>Optimal</a:t>
+            </a:r>
+            <a:r>
+              <a:rPr/>
+              <a:t> </a:t>
+            </a:r>
+            <a:r>
+              <a:rPr/>
+              <a:t>Experience.</a:t>
+            </a:r>
+            <a:r>
+              <a:rPr/>
+              <a:t> </a:t>
+            </a:r>
+            <a:r>
+              <a:rPr/>
+              <a:t>https://en.wikipedia.org/wiki/Flow_(psychology)</a:t>
+            </a:r>
+          </a:p>
+        </p:txBody>
+      </p:sp>
+      <p:sp>
+        <p:nvSpPr>
+          <p:cNvPr id="4" name="Slide Number Placeholder 3"/>
+          <p:cNvSpPr>
+            <a:spLocks noGrp="1"/>
+          </p:cNvSpPr>
+          <p:nvPr>
+            <p:ph type="sldNum" sz="quarter" idx="10"/>
+          </p:nvPr>
+        </p:nvSpPr>
+        <p:spPr/>
+        <p:txBody>
+          <a:bodyPr/>
+          <a:lstStyle/>
+          <a:p>
+            <a:fld id="{18BDFEC3-8487-43E8-A154-7C12CBC1FFF2}" type="slidenum">
+              <a:rPr lang="en-US"/>
+              <a:t>14</a:t>
+            </a:fld>
+            <a:endParaRPr lang="en-US"/>
+          </a:p>
+        </p:txBody>
+      </p:sp>
+    </p:spTree>
+  </p:cSld>
+</p:notes>
+</file>
+
+<file path=ppt/notesSlides/notesSlide4.xml><?xml version="1.0" encoding="utf-8"?>
+<p:notes xmlns:a="http://schemas.openxmlformats.org/drawingml/2006/main" xmlns:r="http://schemas.openxmlformats.org/officeDocument/2006/relationships" xmlns:p="http://schemas.openxmlformats.org/presentationml/2006/main">
+  <p:cSld>
+    <p:spTree>
+      <p:nvGrpSpPr>
+        <p:cNvPr id="1" name=""/>
+        <p:cNvGrpSpPr/>
+        <p:nvPr/>
+      </p:nvGrpSpPr>
+      <p:grpSpPr>
+        <a:xfrm>
+          <a:off x="0" y="0"/>
+          <a:ext cx="0" cy="0"/>
+          <a:chOff x="0" y="0"/>
+          <a:chExt cx="0" cy="0"/>
+        </a:xfrm>
+      </p:grpSpPr>
+      <p:sp>
+        <p:nvSpPr>
+          <p:cNvPr id="2" name="Slide Image Placeholder 1"/>
+          <p:cNvSpPr>
+            <a:spLocks noGrp="1" noRot="1" noChangeAspect="1"/>
+          </p:cNvSpPr>
+          <p:nvPr>
+            <p:ph type="sldImg"/>
+          </p:nvPr>
+        </p:nvSpPr>
+        <p:spPr/>
+      </p:sp>
+      <p:sp>
+        <p:nvSpPr>
+          <p:cNvPr id="3" name="Notes Placeholder 2"/>
+          <p:cNvSpPr>
+            <a:spLocks noGrp="1"/>
+          </p:cNvSpPr>
+          <p:nvPr>
+            <p:ph type="body" idx="1"/>
+          </p:nvPr>
+        </p:nvSpPr>
+        <p:spPr/>
+        <p:txBody>
+          <a:bodyPr/>
+          <a:lstStyle/>
+          <a:p>
+            <a:pPr lvl="0" marL="0" indent="0">
+              <a:buNone/>
+            </a:pPr>
+            <a:r>
+              <a:rPr/>
+              <a:t>Attribution:</a:t>
+            </a:r>
+          </a:p>
+          <a:p>
+            <a:pPr lvl="0" marL="0" indent="0">
+              <a:buNone/>
+            </a:pPr>
+          </a:p>
+          <a:p>
+            <a:pPr lvl="0" marL="0" indent="0">
+              <a:buNone/>
+            </a:pPr>
+            <a:r>
+              <a:rPr/>
+              <a:t>Drive:</a:t>
+            </a:r>
+            <a:r>
+              <a:rPr/>
+              <a:t> </a:t>
+            </a:r>
+            <a:r>
+              <a:rPr/>
+              <a:t>The</a:t>
+            </a:r>
+            <a:r>
+              <a:rPr/>
+              <a:t> </a:t>
+            </a:r>
+            <a:r>
+              <a:rPr/>
+              <a:t>Surprising</a:t>
+            </a:r>
+            <a:r>
+              <a:rPr/>
+              <a:t> </a:t>
+            </a:r>
+            <a:r>
+              <a:rPr/>
+              <a:t>Truth</a:t>
+            </a:r>
+            <a:r>
+              <a:rPr/>
+              <a:t> </a:t>
+            </a:r>
+            <a:r>
+              <a:rPr/>
+              <a:t>About</a:t>
+            </a:r>
+            <a:r>
+              <a:rPr/>
+              <a:t> </a:t>
+            </a:r>
+            <a:r>
+              <a:rPr/>
+              <a:t>What</a:t>
+            </a:r>
+            <a:r>
+              <a:rPr/>
+              <a:t> </a:t>
+            </a:r>
+            <a:r>
+              <a:rPr/>
+              <a:t>Motivates</a:t>
+            </a:r>
+            <a:r>
+              <a:rPr/>
+              <a:t> </a:t>
+            </a:r>
+            <a:r>
+              <a:rPr/>
+              <a:t>Us</a:t>
+            </a:r>
+            <a:r>
+              <a:rPr/>
+              <a:t> </a:t>
+            </a:r>
+            <a:r>
+              <a:rPr/>
+              <a:t>by</a:t>
+            </a:r>
+            <a:r>
+              <a:rPr/>
+              <a:t> </a:t>
+            </a:r>
+            <a:r>
+              <a:rPr/>
+              <a:t>Daniel</a:t>
+            </a:r>
+            <a:r>
+              <a:rPr/>
+              <a:t> </a:t>
+            </a:r>
+            <a:r>
+              <a:rPr/>
+              <a:t>H.</a:t>
+            </a:r>
+            <a:r>
+              <a:rPr/>
+              <a:t> </a:t>
+            </a:r>
+            <a:r>
+              <a:rPr/>
+              <a:t>Pink</a:t>
+            </a:r>
+            <a:r>
+              <a:rPr/>
+              <a:t> </a:t>
+            </a:r>
+            <a:r>
+              <a:rPr/>
+              <a:t>2011</a:t>
+            </a:r>
+          </a:p>
+          <a:p>
+            <a:pPr lvl="0" marL="0" indent="0">
+              <a:buNone/>
+            </a:pPr>
+          </a:p>
+          <a:p>
+            <a:pPr lvl="0" marL="0" indent="0">
+              <a:buNone/>
+            </a:pPr>
+            <a:r>
+              <a:rPr/>
+              <a:t>Start</a:t>
+            </a:r>
+            <a:r>
+              <a:rPr/>
+              <a:t> </a:t>
+            </a:r>
+            <a:r>
+              <a:rPr/>
+              <a:t>with</a:t>
+            </a:r>
+            <a:r>
+              <a:rPr/>
+              <a:t> </a:t>
+            </a:r>
+            <a:r>
+              <a:rPr/>
+              <a:t>Why:</a:t>
+            </a:r>
+            <a:r>
+              <a:rPr/>
+              <a:t> </a:t>
+            </a:r>
+            <a:r>
+              <a:rPr/>
+              <a:t>How</a:t>
+            </a:r>
+            <a:r>
+              <a:rPr/>
+              <a:t> </a:t>
+            </a:r>
+            <a:r>
+              <a:rPr/>
+              <a:t>Great</a:t>
+            </a:r>
+            <a:r>
+              <a:rPr/>
+              <a:t> </a:t>
+            </a:r>
+            <a:r>
+              <a:rPr/>
+              <a:t>Leaders</a:t>
+            </a:r>
+            <a:r>
+              <a:rPr/>
+              <a:t> </a:t>
+            </a:r>
+            <a:r>
+              <a:rPr/>
+              <a:t>Inspire</a:t>
+            </a:r>
+            <a:r>
+              <a:rPr/>
+              <a:t> </a:t>
+            </a:r>
+            <a:r>
+              <a:rPr/>
+              <a:t>Everyone</a:t>
+            </a:r>
+            <a:r>
+              <a:rPr/>
+              <a:t> </a:t>
+            </a:r>
+            <a:r>
+              <a:rPr/>
+              <a:t>to</a:t>
+            </a:r>
+            <a:r>
+              <a:rPr/>
+              <a:t> </a:t>
+            </a:r>
+            <a:r>
+              <a:rPr/>
+              <a:t>Take</a:t>
+            </a:r>
+            <a:r>
+              <a:rPr/>
+              <a:t> </a:t>
+            </a:r>
+            <a:r>
+              <a:rPr/>
+              <a:t>Action</a:t>
+            </a:r>
+            <a:r>
+              <a:rPr/>
+              <a:t> </a:t>
+            </a:r>
+            <a:r>
+              <a:rPr/>
+              <a:t>by</a:t>
+            </a:r>
+            <a:r>
+              <a:rPr/>
+              <a:t> </a:t>
+            </a:r>
+            <a:r>
+              <a:rPr/>
+              <a:t>Simon</a:t>
+            </a:r>
+            <a:r>
+              <a:rPr/>
+              <a:t> </a:t>
+            </a:r>
+            <a:r>
+              <a:rPr/>
+              <a:t>Sinek</a:t>
+            </a:r>
+          </a:p>
+        </p:txBody>
+      </p:sp>
+      <p:sp>
+        <p:nvSpPr>
+          <p:cNvPr id="4" name="Slide Number Placeholder 3"/>
+          <p:cNvSpPr>
+            <a:spLocks noGrp="1"/>
+          </p:cNvSpPr>
+          <p:nvPr>
+            <p:ph type="sldNum" sz="quarter" idx="10"/>
+          </p:nvPr>
+        </p:nvSpPr>
+        <p:spPr/>
+        <p:txBody>
+          <a:bodyPr/>
+          <a:lstStyle/>
+          <a:p>
+            <a:fld id="{18BDFEC3-8487-43E8-A154-7C12CBC1FFF2}" type="slidenum">
+              <a:rPr lang="en-US"/>
+              <a:t>16</a:t>
+            </a:fld>
+            <a:endParaRPr lang="en-US"/>
+          </a:p>
+        </p:txBody>
+      </p:sp>
+    </p:spTree>
+  </p:cSld>
+</p:notes>
+</file>
+
+<file path=ppt/notesSlides/notesSlide5.xml><?xml version="1.0" encoding="utf-8"?>
+<p:notes xmlns:a="http://schemas.openxmlformats.org/drawingml/2006/main" xmlns:r="http://schemas.openxmlformats.org/officeDocument/2006/relationships" xmlns:p="http://schemas.openxmlformats.org/presentationml/2006/main">
+  <p:cSld>
+    <p:spTree>
+      <p:nvGrpSpPr>
+        <p:cNvPr id="1" name=""/>
+        <p:cNvGrpSpPr/>
+        <p:nvPr/>
+      </p:nvGrpSpPr>
+      <p:grpSpPr>
+        <a:xfrm>
+          <a:off x="0" y="0"/>
+          <a:ext cx="0" cy="0"/>
+          <a:chOff x="0" y="0"/>
+          <a:chExt cx="0" cy="0"/>
+        </a:xfrm>
+      </p:grpSpPr>
+      <p:sp>
+        <p:nvSpPr>
+          <p:cNvPr id="2" name="Slide Image Placeholder 1"/>
+          <p:cNvSpPr>
+            <a:spLocks noGrp="1" noRot="1" noChangeAspect="1"/>
+          </p:cNvSpPr>
+          <p:nvPr>
+            <p:ph type="sldImg"/>
+          </p:nvPr>
+        </p:nvSpPr>
+        <p:spPr/>
+      </p:sp>
+      <p:sp>
+        <p:nvSpPr>
+          <p:cNvPr id="3" name="Notes Placeholder 2"/>
+          <p:cNvSpPr>
+            <a:spLocks noGrp="1"/>
+          </p:cNvSpPr>
+          <p:nvPr>
+            <p:ph type="body" idx="1"/>
+          </p:nvPr>
+        </p:nvSpPr>
+        <p:spPr/>
+        <p:txBody>
+          <a:bodyPr/>
+          <a:lstStyle/>
+          <a:p>
+            <a:pPr lvl="0" marL="0" indent="0">
+              <a:buNone/>
+            </a:pPr>
+            <a:r>
+              <a:rPr/>
+              <a:t>Attribution:</a:t>
+            </a:r>
+          </a:p>
+          <a:p>
+            <a:pPr lvl="0" marL="0" indent="0">
+              <a:buNone/>
+            </a:pPr>
+          </a:p>
+          <a:p>
+            <a:pPr lvl="0" marL="0" indent="0">
+              <a:buNone/>
+            </a:pPr>
+            <a:r>
+              <a:rPr/>
+              <a:t>Now:</a:t>
+            </a:r>
+            <a:r>
+              <a:rPr/>
+              <a:t> </a:t>
+            </a:r>
+            <a:r>
+              <a:rPr/>
+              <a:t>The</a:t>
+            </a:r>
+            <a:r>
+              <a:rPr/>
+              <a:t> </a:t>
+            </a:r>
+            <a:r>
+              <a:rPr/>
+              <a:t>Physics</a:t>
+            </a:r>
+            <a:r>
+              <a:rPr/>
+              <a:t> </a:t>
+            </a:r>
+            <a:r>
+              <a:rPr/>
+              <a:t>of</a:t>
+            </a:r>
+            <a:r>
+              <a:rPr/>
+              <a:t> </a:t>
+            </a:r>
+            <a:r>
+              <a:rPr/>
+              <a:t>Time</a:t>
+            </a:r>
+            <a:r>
+              <a:rPr/>
+              <a:t> </a:t>
+            </a:r>
+            <a:r>
+              <a:rPr/>
+              <a:t>by</a:t>
+            </a:r>
+            <a:r>
+              <a:rPr/>
+              <a:t> </a:t>
+            </a:r>
+            <a:r>
+              <a:rPr/>
+              <a:t>Richard</a:t>
+            </a:r>
+            <a:r>
+              <a:rPr/>
+              <a:t> </a:t>
+            </a:r>
+            <a:r>
+              <a:rPr/>
+              <a:t>A.</a:t>
+            </a:r>
+            <a:r>
+              <a:rPr/>
+              <a:t> </a:t>
+            </a:r>
+            <a:r>
+              <a:rPr/>
+              <a:t>Muller</a:t>
+            </a:r>
+          </a:p>
+          <a:p>
+            <a:pPr lvl="0" marL="0" indent="0">
+              <a:buNone/>
+            </a:pPr>
+          </a:p>
+          <a:p>
+            <a:pPr lvl="0" marL="0" indent="0">
+              <a:buNone/>
+            </a:pPr>
+            <a:r>
+              <a:rPr/>
+              <a:t>Distributed</a:t>
+            </a:r>
+            <a:r>
+              <a:rPr/>
+              <a:t> </a:t>
+            </a:r>
+            <a:r>
+              <a:rPr/>
+              <a:t>Cognition</a:t>
+            </a:r>
+            <a:r>
+              <a:rPr/>
+              <a:t> </a:t>
+            </a:r>
+            <a:r>
+              <a:rPr/>
+              <a:t>https://en.wikipedia.org/wiki/Distributed_cognition</a:t>
+            </a:r>
+          </a:p>
+          <a:p>
+            <a:pPr lvl="0" marL="0" indent="0">
+              <a:buNone/>
+            </a:pPr>
+          </a:p>
+          <a:p>
+            <a:pPr lvl="0" marL="0" indent="0">
+              <a:buNone/>
+            </a:pPr>
+            <a:r>
+              <a:rPr/>
+              <a:t>Cognitive</a:t>
+            </a:r>
+            <a:r>
+              <a:rPr/>
+              <a:t> </a:t>
+            </a:r>
+            <a:r>
+              <a:rPr/>
+              <a:t>System</a:t>
+            </a:r>
+            <a:r>
+              <a:rPr/>
+              <a:t> </a:t>
+            </a:r>
+            <a:r>
+              <a:rPr/>
+              <a:t>https://ise.osu.edu/faculty-research/human-systems-integration/cognitive-systems-engineering</a:t>
+            </a:r>
+          </a:p>
+          <a:p>
+            <a:pPr lvl="0" marL="0" indent="0">
+              <a:buNone/>
+            </a:pPr>
+          </a:p>
+          <a:p>
+            <a:pPr lvl="0" marL="0" indent="0">
+              <a:buNone/>
+            </a:pPr>
+            <a:r>
+              <a:rPr/>
+              <a:t>https://www.researchgate.net/profile/David-Woods-19</a:t>
+            </a:r>
+            <a:r>
+              <a:rPr/>
+              <a:t> </a:t>
+            </a:r>
+            <a:r>
+              <a:rPr/>
+              <a:t>https://github.com/lorin/resilience-engineering#david-woods</a:t>
+            </a:r>
+          </a:p>
+        </p:txBody>
+      </p:sp>
+      <p:sp>
+        <p:nvSpPr>
+          <p:cNvPr id="4" name="Slide Number Placeholder 3"/>
+          <p:cNvSpPr>
+            <a:spLocks noGrp="1"/>
+          </p:cNvSpPr>
+          <p:nvPr>
+            <p:ph type="sldNum" sz="quarter" idx="10"/>
+          </p:nvPr>
+        </p:nvSpPr>
+        <p:spPr/>
+        <p:txBody>
+          <a:bodyPr/>
+          <a:lstStyle/>
+          <a:p>
+            <a:fld id="{18BDFEC3-8487-43E8-A154-7C12CBC1FFF2}" type="slidenum">
+              <a:rPr lang="en-US"/>
+              <a:t>18</a:t>
+            </a:fld>
+            <a:endParaRPr lang="en-US"/>
+          </a:p>
+        </p:txBody>
+      </p:sp>
+    </p:spTree>
+  </p:cSld>
+</p:notes>
+</file>
+
+<file path=ppt/notesSlides/notesSlide6.xml><?xml version="1.0" encoding="utf-8"?>
+<p:notes xmlns:a="http://schemas.openxmlformats.org/drawingml/2006/main" xmlns:r="http://schemas.openxmlformats.org/officeDocument/2006/relationships" xmlns:p="http://schemas.openxmlformats.org/presentationml/2006/main">
+  <p:cSld>
+    <p:spTree>
+      <p:nvGrpSpPr>
+        <p:cNvPr id="1" name=""/>
+        <p:cNvGrpSpPr/>
+        <p:nvPr/>
+      </p:nvGrpSpPr>
+      <p:grpSpPr>
+        <a:xfrm>
+          <a:off x="0" y="0"/>
+          <a:ext cx="0" cy="0"/>
+          <a:chOff x="0" y="0"/>
+          <a:chExt cx="0" cy="0"/>
+        </a:xfrm>
+      </p:grpSpPr>
+      <p:sp>
+        <p:nvSpPr>
+          <p:cNvPr id="2" name="Slide Image Placeholder 1"/>
+          <p:cNvSpPr>
+            <a:spLocks noGrp="1" noRot="1" noChangeAspect="1"/>
+          </p:cNvSpPr>
+          <p:nvPr>
+            <p:ph type="sldImg"/>
+          </p:nvPr>
+        </p:nvSpPr>
+        <p:spPr/>
+      </p:sp>
+      <p:sp>
+        <p:nvSpPr>
+          <p:cNvPr id="3" name="Notes Placeholder 2"/>
+          <p:cNvSpPr>
+            <a:spLocks noGrp="1"/>
+          </p:cNvSpPr>
+          <p:nvPr>
+            <p:ph type="body" idx="1"/>
+          </p:nvPr>
+        </p:nvSpPr>
+        <p:spPr/>
+        <p:txBody>
+          <a:bodyPr/>
+          <a:lstStyle/>
+          <a:p>
+            <a:pPr lvl="1"/>
+            <a:r>
+              <a:rPr/>
+              <a:t>Focus</a:t>
+            </a:r>
+            <a:r>
+              <a:rPr/>
+              <a:t> </a:t>
+            </a:r>
+            <a:r>
+              <a:rPr/>
+              <a:t>on</a:t>
+            </a:r>
+            <a:r>
+              <a:rPr/>
+              <a:t> </a:t>
+            </a:r>
+            <a:r>
+              <a:rPr/>
+              <a:t>concrete</a:t>
+            </a:r>
+            <a:r>
+              <a:rPr/>
+              <a:t> </a:t>
+            </a:r>
+            <a:r>
+              <a:rPr/>
+              <a:t>behaviors</a:t>
+            </a:r>
+            <a:r>
+              <a:rPr/>
+              <a:t> </a:t>
+            </a:r>
+            <a:r>
+              <a:rPr/>
+              <a:t>that</a:t>
+            </a:r>
+            <a:r>
+              <a:rPr/>
+              <a:t> </a:t>
+            </a:r>
+            <a:r>
+              <a:rPr/>
+              <a:t>somebody</a:t>
+            </a:r>
+            <a:r>
+              <a:rPr/>
+              <a:t> </a:t>
+            </a:r>
+            <a:r>
+              <a:rPr/>
+              <a:t>can</a:t>
+            </a:r>
+            <a:r>
+              <a:rPr/>
+              <a:t> </a:t>
+            </a:r>
+            <a:r>
+              <a:rPr/>
+              <a:t>adopt.</a:t>
+            </a:r>
+          </a:p>
+          <a:p>
+            <a:pPr lvl="0" marL="0" indent="0">
+              <a:buNone/>
+            </a:pPr>
+          </a:p>
+          <a:p>
+            <a:pPr lvl="1"/>
+            <a:r>
+              <a:rPr/>
+              <a:t>Understanding</a:t>
+            </a:r>
+            <a:r>
+              <a:rPr/>
+              <a:t> </a:t>
+            </a:r>
+            <a:r>
+              <a:rPr/>
+              <a:t>of</a:t>
+            </a:r>
+            <a:r>
+              <a:rPr/>
+              <a:t> </a:t>
+            </a:r>
+            <a:r>
+              <a:rPr/>
+              <a:t>the</a:t>
+            </a:r>
+            <a:r>
+              <a:rPr/>
+              <a:t> </a:t>
+            </a:r>
+            <a:r>
+              <a:rPr/>
+              <a:t>inner</a:t>
+            </a:r>
+            <a:r>
+              <a:rPr/>
+              <a:t> </a:t>
+            </a:r>
+            <a:r>
+              <a:rPr/>
+              <a:t>system.</a:t>
+            </a:r>
+            <a:r>
+              <a:rPr/>
+              <a:t> </a:t>
+            </a:r>
+            <a:r>
+              <a:rPr/>
+              <a:t>HOw</a:t>
+            </a:r>
+            <a:r>
+              <a:rPr/>
+              <a:t> </a:t>
+            </a:r>
+            <a:r>
+              <a:rPr/>
+              <a:t>to</a:t>
+            </a:r>
+            <a:r>
+              <a:rPr/>
+              <a:t> </a:t>
+            </a:r>
+            <a:r>
+              <a:rPr/>
+              <a:t>get</a:t>
+            </a:r>
+            <a:r>
+              <a:rPr/>
+              <a:t> </a:t>
+            </a:r>
+            <a:r>
+              <a:rPr/>
+              <a:t>understanding.</a:t>
+            </a:r>
+          </a:p>
+        </p:txBody>
+      </p:sp>
+      <p:sp>
+        <p:nvSpPr>
+          <p:cNvPr id="4" name="Slide Number Placeholder 3"/>
+          <p:cNvSpPr>
+            <a:spLocks noGrp="1"/>
+          </p:cNvSpPr>
+          <p:nvPr>
+            <p:ph type="sldNum" sz="quarter" idx="10"/>
+          </p:nvPr>
+        </p:nvSpPr>
+        <p:spPr/>
+        <p:txBody>
+          <a:bodyPr/>
+          <a:lstStyle/>
+          <a:p>
+            <a:fld id="{18BDFEC3-8487-43E8-A154-7C12CBC1FFF2}" type="slidenum">
+              <a:rPr lang="en-US"/>
+              <a:t>19</a:t>
+            </a:fld>
+            <a:endParaRPr lang="en-US"/>
+          </a:p>
+        </p:txBody>
+      </p:sp>
+    </p:spTree>
+  </p:cSld>
+</p:notes>
+</file>
+
+<file path=ppt/notesSlides/notesSlide7.xml><?xml version="1.0" encoding="utf-8"?>
+<p:notes xmlns:a="http://schemas.openxmlformats.org/drawingml/2006/main" xmlns:r="http://schemas.openxmlformats.org/officeDocument/2006/relationships" xmlns:p="http://schemas.openxmlformats.org/presentationml/2006/main">
+  <p:cSld>
+    <p:spTree>
+      <p:nvGrpSpPr>
+        <p:cNvPr id="1" name=""/>
+        <p:cNvGrpSpPr/>
+        <p:nvPr/>
+      </p:nvGrpSpPr>
+      <p:grpSpPr>
+        <a:xfrm>
+          <a:off x="0" y="0"/>
+          <a:ext cx="0" cy="0"/>
+          <a:chOff x="0" y="0"/>
+          <a:chExt cx="0" cy="0"/>
+        </a:xfrm>
+      </p:grpSpPr>
+      <p:sp>
+        <p:nvSpPr>
+          <p:cNvPr id="2" name="Slide Image Placeholder 1"/>
+          <p:cNvSpPr>
+            <a:spLocks noGrp="1" noRot="1" noChangeAspect="1"/>
+          </p:cNvSpPr>
+          <p:nvPr>
+            <p:ph type="sldImg"/>
+          </p:nvPr>
+        </p:nvSpPr>
+        <p:spPr/>
+      </p:sp>
+      <p:sp>
+        <p:nvSpPr>
+          <p:cNvPr id="3" name="Notes Placeholder 2"/>
+          <p:cNvSpPr>
+            <a:spLocks noGrp="1"/>
+          </p:cNvSpPr>
+          <p:nvPr>
+            <p:ph type="body" idx="1"/>
+          </p:nvPr>
+        </p:nvSpPr>
+        <p:spPr/>
+        <p:txBody>
+          <a:bodyPr/>
+          <a:lstStyle/>
+          <a:p>
+            <a:pPr lvl="0" marL="0" indent="0">
+              <a:buNone/>
+            </a:pPr>
+            <a:r>
+              <a:rPr/>
+              <a:t>Not</a:t>
+            </a:r>
+            <a:r>
+              <a:rPr/>
+              <a:t> </a:t>
+            </a:r>
+            <a:r>
+              <a:rPr/>
+              <a:t>included</a:t>
+            </a:r>
+            <a:r>
+              <a:rPr/>
+              <a:t> </a:t>
+            </a:r>
+            <a:r>
+              <a:rPr/>
+              <a:t>here</a:t>
+            </a:r>
+            <a:r>
+              <a:rPr/>
+              <a:t> </a:t>
+            </a:r>
+            <a:r>
+              <a:rPr/>
+              <a:t>are</a:t>
+            </a:r>
+            <a:r>
+              <a:rPr/>
+              <a:t> </a:t>
+            </a:r>
+            <a:r>
+              <a:rPr/>
+              <a:t>college</a:t>
+            </a:r>
+            <a:r>
+              <a:rPr/>
+              <a:t> </a:t>
+            </a:r>
+            <a:r>
+              <a:rPr/>
+              <a:t>jobs</a:t>
+            </a:r>
+            <a:r>
+              <a:rPr/>
+              <a:t> </a:t>
+            </a:r>
+            <a:r>
+              <a:rPr/>
+              <a:t>that</a:t>
+            </a:r>
+            <a:r>
+              <a:rPr/>
+              <a:t> </a:t>
+            </a:r>
+            <a:r>
+              <a:rPr/>
+              <a:t>would</a:t>
+            </a:r>
+            <a:r>
+              <a:rPr/>
+              <a:t> </a:t>
+            </a:r>
+            <a:r>
+              <a:rPr/>
+              <a:t>not</a:t>
+            </a:r>
+            <a:r>
+              <a:rPr/>
+              <a:t> </a:t>
+            </a:r>
+            <a:r>
+              <a:rPr/>
+              <a:t>qualify.</a:t>
+            </a:r>
+            <a:r>
+              <a:rPr/>
+              <a:t> </a:t>
+            </a:r>
+            <a:r>
+              <a:rPr/>
+              <a:t>For</a:t>
+            </a:r>
+            <a:r>
+              <a:rPr/>
+              <a:t> </a:t>
+            </a:r>
+            <a:r>
+              <a:rPr/>
+              <a:t>example,</a:t>
+            </a:r>
+            <a:r>
+              <a:rPr/>
+              <a:t> </a:t>
+            </a:r>
+            <a:r>
+              <a:rPr/>
+              <a:t>working</a:t>
+            </a:r>
+            <a:r>
+              <a:rPr/>
+              <a:t> </a:t>
+            </a:r>
+            <a:r>
+              <a:rPr/>
+              <a:t>at</a:t>
+            </a:r>
+            <a:r>
+              <a:rPr/>
+              <a:t> </a:t>
+            </a:r>
+            <a:r>
+              <a:rPr/>
+              <a:t>as</a:t>
+            </a:r>
+            <a:r>
+              <a:rPr/>
+              <a:t> </a:t>
+            </a:r>
+            <a:r>
+              <a:rPr/>
+              <a:t>a</a:t>
+            </a:r>
+            <a:r>
+              <a:rPr/>
+              <a:t> </a:t>
+            </a:r>
+            <a:r>
+              <a:rPr/>
+              <a:t>package</a:t>
+            </a:r>
+            <a:r>
+              <a:rPr/>
+              <a:t> </a:t>
+            </a:r>
+            <a:r>
+              <a:rPr/>
+              <a:t>loader</a:t>
+            </a:r>
+            <a:r>
+              <a:rPr/>
+              <a:t> </a:t>
+            </a:r>
+            <a:r>
+              <a:rPr/>
+              <a:t>motivated</a:t>
+            </a:r>
+            <a:r>
+              <a:rPr/>
+              <a:t> </a:t>
+            </a:r>
+            <a:r>
+              <a:rPr/>
+              <a:t>me</a:t>
+            </a:r>
+            <a:r>
+              <a:rPr/>
+              <a:t> </a:t>
+            </a:r>
+            <a:r>
+              <a:rPr/>
+              <a:t>to</a:t>
+            </a:r>
+            <a:r>
+              <a:rPr/>
+              <a:t> </a:t>
+            </a:r>
+            <a:r>
+              <a:rPr/>
+              <a:t>not</a:t>
+            </a:r>
+            <a:r>
+              <a:rPr/>
+              <a:t> </a:t>
+            </a:r>
+            <a:r>
+              <a:rPr/>
+              <a:t>want</a:t>
+            </a:r>
+            <a:r>
+              <a:rPr/>
+              <a:t> </a:t>
+            </a:r>
+            <a:r>
+              <a:rPr/>
+              <a:t>to</a:t>
+            </a:r>
+            <a:r>
+              <a:rPr/>
+              <a:t> </a:t>
+            </a:r>
+            <a:r>
+              <a:rPr/>
+              <a:t>do</a:t>
+            </a:r>
+            <a:r>
+              <a:rPr/>
+              <a:t> </a:t>
+            </a:r>
+            <a:r>
+              <a:rPr/>
+              <a:t>that</a:t>
+            </a:r>
+            <a:r>
+              <a:rPr/>
+              <a:t> </a:t>
+            </a:r>
+            <a:r>
+              <a:rPr/>
+              <a:t>as</a:t>
+            </a:r>
+            <a:r>
+              <a:rPr/>
+              <a:t> </a:t>
+            </a:r>
+            <a:r>
+              <a:rPr/>
+              <a:t>a</a:t>
+            </a:r>
+            <a:r>
+              <a:rPr/>
+              <a:t> </a:t>
+            </a:r>
+            <a:r>
+              <a:rPr/>
+              <a:t>career.</a:t>
+            </a:r>
+            <a:r>
+              <a:rPr/>
+              <a:t> </a:t>
+            </a:r>
+            <a:r>
+              <a:rPr/>
+              <a:t>The</a:t>
+            </a:r>
+            <a:r>
+              <a:rPr/>
+              <a:t> </a:t>
+            </a:r>
+            <a:r>
+              <a:rPr/>
+              <a:t>same</a:t>
+            </a:r>
+            <a:r>
+              <a:rPr/>
+              <a:t> </a:t>
+            </a:r>
+            <a:r>
+              <a:rPr/>
+              <a:t>goes</a:t>
+            </a:r>
+            <a:r>
+              <a:rPr/>
+              <a:t> </a:t>
+            </a:r>
+            <a:r>
+              <a:rPr/>
+              <a:t>for</a:t>
+            </a:r>
+            <a:r>
+              <a:rPr/>
+              <a:t> </a:t>
+            </a:r>
+            <a:r>
+              <a:rPr/>
+              <a:t>summer</a:t>
+            </a:r>
+            <a:r>
+              <a:rPr/>
+              <a:t> </a:t>
+            </a:r>
+            <a:r>
+              <a:rPr/>
+              <a:t>helping</a:t>
+            </a:r>
+            <a:r>
+              <a:rPr/>
+              <a:t> </a:t>
+            </a:r>
+            <a:r>
+              <a:rPr/>
+              <a:t>family</a:t>
+            </a:r>
+            <a:r>
+              <a:rPr/>
+              <a:t> </a:t>
+            </a:r>
+            <a:r>
+              <a:rPr/>
+              <a:t>with</a:t>
+            </a:r>
+            <a:r>
+              <a:rPr/>
+              <a:t> </a:t>
+            </a:r>
+            <a:r>
+              <a:rPr/>
+              <a:t>home</a:t>
+            </a:r>
+            <a:r>
+              <a:rPr/>
+              <a:t> </a:t>
+            </a:r>
+            <a:r>
+              <a:rPr/>
+              <a:t>construction</a:t>
+            </a:r>
+            <a:r>
+              <a:rPr/>
+              <a:t> </a:t>
+            </a:r>
+            <a:r>
+              <a:rPr/>
+              <a:t>projects.</a:t>
+            </a:r>
+          </a:p>
+        </p:txBody>
+      </p:sp>
+      <p:sp>
+        <p:nvSpPr>
+          <p:cNvPr id="4" name="Slide Number Placeholder 3"/>
+          <p:cNvSpPr>
+            <a:spLocks noGrp="1"/>
+          </p:cNvSpPr>
+          <p:nvPr>
+            <p:ph type="sldNum" sz="quarter" idx="10"/>
+          </p:nvPr>
+        </p:nvSpPr>
+        <p:spPr/>
+        <p:txBody>
+          <a:bodyPr/>
+          <a:lstStyle/>
+          <a:p>
+            <a:fld id="{18BDFEC3-8487-43E8-A154-7C12CBC1FFF2}" type="slidenum">
+              <a:rPr lang="en-US"/>
+              <a:t>24</a:t>
             </a:fld>
             <a:endParaRPr lang="en-US"/>
           </a:p>
@@ -3616,20 +5649,15 @@
       </p:grpSpPr>
       <p:sp>
         <p:nvSpPr>
-          <p:cNvPr id="2" name="Title 1"/>
-          <p:cNvSpPr>
-            <a:spLocks noGrp="1"/>
-          </p:cNvSpPr>
-          <p:nvPr>
-            <p:ph type="ctrTitle"/>
-          </p:nvPr>
-        </p:nvSpPr>
-        <p:spPr>
-          <a:xfrm>
-            <a:off x="914400" y="2130426"/>
-            <a:ext cx="10363200" cy="1470025"/>
-          </a:xfrm>
-        </p:spPr>
+          <p:cNvPr id="3" name="Content Placeholder 2"/>
+          <p:cNvSpPr>
+            <a:spLocks noGrp="1"/>
+          </p:cNvSpPr>
+          <p:nvPr>
+            <p:ph idx="1"/>
+          </p:nvPr>
+        </p:nvSpPr>
+        <p:spPr/>
         <p:txBody>
           <a:bodyPr/>
           <a:lstStyle/>
@@ -3639,88 +5667,7 @@
             </a:pPr>
             <a:r>
               <a:rPr/>
-              <a:t>Career</a:t>
-            </a:r>
-            <a:r>
-              <a:rPr/>
-              <a:t> </a:t>
-            </a:r>
-            <a:r>
-              <a:rPr/>
-              <a:t>Behaviors</a:t>
-            </a:r>
-          </a:p>
-        </p:txBody>
-      </p:sp>
-      <p:sp>
-        <p:nvSpPr>
-          <p:cNvPr id="3" name="Subtitle 2"/>
-          <p:cNvSpPr>
-            <a:spLocks noGrp="1"/>
-          </p:cNvSpPr>
-          <p:nvPr>
-            <p:ph idx="1" type="subTitle"/>
-          </p:nvPr>
-        </p:nvSpPr>
-        <p:spPr>
-          <a:xfrm>
-            <a:off x="1828800" y="3886200"/>
-            <a:ext cx="8534400" cy="1752600"/>
-          </a:xfrm>
-        </p:spPr>
-        <p:txBody>
-          <a:bodyPr/>
-          <a:lstStyle/>
-          <a:p>
-            <a:pPr lvl="0" marL="0" indent="0">
-              <a:buNone/>
-            </a:pPr>
-            <a:br/>
-            <a:br/>
-            <a:r>
-              <a:rPr/>
-              <a:t>Chéyo</a:t>
-            </a:r>
-            <a:r>
-              <a:rPr/>
-              <a:t> </a:t>
-            </a:r>
-            <a:r>
-              <a:rPr/>
-              <a:t>Jiménez,</a:t>
-            </a:r>
-            <a:r>
-              <a:rPr/>
-              <a:t> </a:t>
-            </a:r>
-            <a:r>
-              <a:rPr/>
-              <a:t>MSE</a:t>
-            </a:r>
-          </a:p>
-        </p:txBody>
-      </p:sp>
-      <p:sp>
-        <p:nvSpPr>
-          <p:cNvPr id="4" name="Date Placeholder 3"/>
-          <p:cNvSpPr>
-            <a:spLocks noGrp="1"/>
-          </p:cNvSpPr>
-          <p:nvPr>
-            <p:ph idx="10" sz="half" type="dt"/>
-          </p:nvPr>
-        </p:nvSpPr>
-        <p:spPr/>
-        <p:txBody>
-          <a:bodyPr/>
-          <a:lstStyle/>
-          <a:p>
-            <a:pPr lvl="0" marL="0" indent="0">
-              <a:buNone/>
-            </a:pPr>
-            <a:r>
-              <a:rPr/>
-              <a:t>2021-11</a:t>
+              <a:t>date: 2021-11 author: “Chéyo Jiménez, MSE” title: “Career Quest Engineering” output: powerpoint_presentation: reference_doc: reference_one.pptx marp: true</a:t>
             </a:r>
           </a:p>
         </p:txBody>
@@ -3767,79 +5714,49 @@
             </a:pPr>
             <a:r>
               <a:rPr/>
-              <a:t>Behavior</a:t>
-            </a:r>
-            <a:r>
-              <a:rPr/>
-              <a:t> </a:t>
-            </a:r>
-            <a:r>
-              <a:rPr/>
-              <a:t>#1:</a:t>
-            </a:r>
-            <a:r>
-              <a:rPr/>
-              <a:t> </a:t>
-            </a:r>
-            <a:r>
-              <a:rPr/>
-              <a:t>Clear</a:t>
-            </a:r>
-            <a:r>
-              <a:rPr/>
-              <a:t> </a:t>
-            </a:r>
-            <a:r>
-              <a:rPr/>
-              <a:t>Strategy</a:t>
-            </a:r>
-          </a:p>
-        </p:txBody>
-      </p:sp>
-      <p:sp>
-        <p:nvSpPr>
-          <p:cNvPr id="3" name="Content Placeholder 2"/>
-          <p:cNvSpPr>
-            <a:spLocks noGrp="1"/>
-          </p:cNvSpPr>
-          <p:nvPr>
-            <p:ph idx="1"/>
-          </p:nvPr>
-        </p:nvSpPr>
-        <p:spPr/>
-        <p:txBody>
-          <a:bodyPr/>
-          <a:lstStyle/>
-          <a:p>
-            <a:pPr lvl="1"/>
-            <a:r>
-              <a:rPr/>
-              <a:t>Clear goals. (Know what to do next).</a:t>
-            </a:r>
-          </a:p>
-          <a:p>
-            <a:pPr lvl="1"/>
-            <a:r>
-              <a:rPr/>
-              <a:t>Clear signal of progression towards goals (Tight feedback loop)</a:t>
-            </a:r>
-          </a:p>
-          <a:p>
-            <a:pPr lvl="1"/>
-            <a:r>
-              <a:rPr/>
-              <a:t>Challenging within margin of skill (Not too hard or easy. Just right)</a:t>
-            </a:r>
-          </a:p>
-          <a:p>
-            <a:pPr lvl="1"/>
-            <a:r>
-              <a:rPr/>
-              <a:t>Full control over the activity (Ownership / Authority)</a:t>
-            </a:r>
-          </a:p>
-        </p:txBody>
-      </p:sp>
+              <a:t>Staging</a:t>
+            </a:r>
+            <a:r>
+              <a:rPr/>
+              <a:t> </a:t>
+            </a:r>
+            <a:r>
+              <a:rPr/>
+              <a:t>Projects</a:t>
+            </a:r>
+          </a:p>
+        </p:txBody>
+      </p:sp>
+      <p:pic>
+        <p:nvPicPr>
+          <p:cNvPr descr="../media/projects_commits_drawing.png" id="0" name="Picture 1"/>
+          <p:cNvPicPr>
+            <a:picLocks noGrp="1" noChangeAspect="1"/>
+          </p:cNvPicPr>
+          <p:nvPr/>
+        </p:nvPicPr>
+        <p:blipFill>
+          <a:blip r:embed="rId3"/>
+          <a:stretch>
+            <a:fillRect/>
+          </a:stretch>
+        </p:blipFill>
+        <p:spPr bwMode="auto">
+          <a:xfrm>
+            <a:off x="4152900" y="1600200"/>
+            <a:ext cx="3873500" cy="4521200"/>
+          </a:xfrm>
+          <a:prstGeom prst="rect">
+            <a:avLst/>
+          </a:prstGeom>
+          <a:noFill/>
+          <a:ln w="9525">
+            <a:noFill/>
+            <a:headEnd/>
+            <a:tailEnd/>
+          </a:ln>
+        </p:spPr>
+      </p:pic>
     </p:spTree>
   </p:cSld>
 </p:sld>
@@ -3882,77 +5799,49 @@
             </a:pPr>
             <a:r>
               <a:rPr/>
-              <a:t>Clear</a:t>
-            </a:r>
-            <a:r>
-              <a:rPr/>
-              <a:t> </a:t>
-            </a:r>
-            <a:r>
-              <a:rPr/>
-              <a:t>Strategy</a:t>
-            </a:r>
-          </a:p>
-        </p:txBody>
-      </p:sp>
-      <p:sp>
-        <p:nvSpPr>
-          <p:cNvPr id="3" name="Content Placeholder 2"/>
-          <p:cNvSpPr>
-            <a:spLocks noGrp="1"/>
-          </p:cNvSpPr>
-          <p:nvPr>
-            <p:ph idx="1"/>
-          </p:nvPr>
-        </p:nvSpPr>
-        <p:spPr/>
-        <p:txBody>
-          <a:bodyPr/>
-          <a:lstStyle/>
-          <a:p>
-            <a:pPr lvl="1"/>
-            <a:r>
-              <a:rPr/>
-              <a:t>Agile methodology attempts to address this.</a:t>
-            </a:r>
-          </a:p>
-          <a:p>
-            <a:pPr lvl="1"/>
-            <a:r>
-              <a:rPr/>
-              <a:t>Definition of done</a:t>
-            </a:r>
-          </a:p>
-          <a:p>
-            <a:pPr lvl="1"/>
-            <a:r>
-              <a:rPr/>
-              <a:t>User Stories</a:t>
-            </a:r>
-          </a:p>
-          <a:p>
-            <a:pPr lvl="1"/>
-            <a:r>
-              <a:rPr/>
-              <a:t>Iterative progress</a:t>
-            </a:r>
-          </a:p>
-          <a:p>
-            <a:pPr lvl="1"/>
-            <a:r>
-              <a:rPr/>
-              <a:t>Well understood. Ability.</a:t>
-            </a:r>
-          </a:p>
-          <a:p>
-            <a:pPr lvl="2"/>
-            <a:r>
-              <a:rPr/>
-              <a:t>Can I do it?</a:t>
-            </a:r>
-          </a:p>
-        </p:txBody>
-      </p:sp>
+              <a:t>Staging</a:t>
+            </a:r>
+            <a:r>
+              <a:rPr/>
+              <a:t> </a:t>
+            </a:r>
+            <a:r>
+              <a:rPr/>
+              <a:t>Groups</a:t>
+            </a:r>
+          </a:p>
+        </p:txBody>
+      </p:sp>
+      <p:pic>
+        <p:nvPicPr>
+          <p:cNvPr descr="../media/temporal_group_02.png" id="0" name="Picture 1"/>
+          <p:cNvPicPr>
+            <a:picLocks noGrp="1" noChangeAspect="1"/>
+          </p:cNvPicPr>
+          <p:nvPr/>
+        </p:nvPicPr>
+        <p:blipFill>
+          <a:blip r:embed="rId2"/>
+          <a:stretch>
+            <a:fillRect/>
+          </a:stretch>
+        </p:blipFill>
+        <p:spPr bwMode="auto">
+          <a:xfrm>
+            <a:off x="3911600" y="1600200"/>
+            <a:ext cx="4356100" cy="4521200"/>
+          </a:xfrm>
+          <a:prstGeom prst="rect">
+            <a:avLst/>
+          </a:prstGeom>
+          <a:noFill/>
+          <a:ln w="9525">
+            <a:noFill/>
+            <a:headEnd/>
+            <a:tailEnd/>
+          </a:ln>
+        </p:spPr>
+      </p:pic>
     </p:spTree>
   </p:cSld>
 </p:sld>
@@ -3977,12 +5866,12 @@
       </p:grpSpPr>
       <p:sp>
         <p:nvSpPr>
-          <p:cNvPr id="2" name="Title 1"/>
-          <p:cNvSpPr>
-            <a:spLocks noGrp="1"/>
-          </p:cNvSpPr>
-          <p:nvPr>
-            <p:ph type="title"/>
+          <p:cNvPr id="3" name="Content Placeholder 2"/>
+          <p:cNvSpPr>
+            <a:spLocks noGrp="1"/>
+          </p:cNvSpPr>
+          <p:nvPr>
+            <p:ph idx="1"/>
           </p:nvPr>
         </p:nvSpPr>
         <p:spPr/>
@@ -3995,61 +5884,7 @@
             </a:pPr>
             <a:r>
               <a:rPr/>
-              <a:t>Behavior</a:t>
-            </a:r>
-            <a:r>
-              <a:rPr/>
-              <a:t> </a:t>
-            </a:r>
-            <a:r>
-              <a:rPr/>
-              <a:t>#2:</a:t>
-            </a:r>
-            <a:r>
-              <a:rPr/>
-              <a:t> </a:t>
-            </a:r>
-            <a:r>
-              <a:rPr/>
-              <a:t>Intrinsic</a:t>
-            </a:r>
-            <a:r>
-              <a:rPr/>
-              <a:t> </a:t>
-            </a:r>
-            <a:r>
-              <a:rPr/>
-              <a:t>Drive</a:t>
-            </a:r>
-          </a:p>
-        </p:txBody>
-      </p:sp>
-      <p:sp>
-        <p:nvSpPr>
-          <p:cNvPr id="3" name="Content Placeholder 2"/>
-          <p:cNvSpPr>
-            <a:spLocks noGrp="1"/>
-          </p:cNvSpPr>
-          <p:nvPr>
-            <p:ph idx="1"/>
-          </p:nvPr>
-        </p:nvSpPr>
-        <p:spPr/>
-        <p:txBody>
-          <a:bodyPr/>
-          <a:lstStyle/>
-          <a:p>
-            <a:pPr lvl="1"/>
-            <a:r>
-              <a:rPr/>
-              <a:t>Somewhat understood. Motivation</a:t>
-            </a:r>
-          </a:p>
-          <a:p>
-            <a:pPr lvl="1"/>
-            <a:r>
-              <a:rPr/>
-              <a:t>Is it worth it?</a:t>
+              <a:t> ::: notes - We will imagine a team of individuals (each with different systems of components) that need to interact with each other. - New people being added, and people moving teams, projects changing ownership. - People agents and software agents over time. - This part is somewhat understood. :::</a:t>
             </a:r>
           </a:p>
         </p:txBody>
@@ -4096,35 +5931,49 @@
             </a:pPr>
             <a:r>
               <a:rPr/>
-              <a:t>Behavior</a:t>
-            </a:r>
-            <a:r>
-              <a:rPr/>
-              <a:t> </a:t>
-            </a:r>
-            <a:r>
-              <a:rPr/>
-              <a:t>#3:</a:t>
-            </a:r>
-            <a:r>
-              <a:rPr/>
-              <a:t> </a:t>
-            </a:r>
-            <a:r>
-              <a:rPr/>
-              <a:t>Contextual</a:t>
-            </a:r>
-            <a:r>
-              <a:rPr/>
-              <a:t> </a:t>
-            </a:r>
-            <a:r>
-              <a:rPr/>
-              <a:t>Awareness</a:t>
-            </a:r>
-          </a:p>
-        </p:txBody>
-      </p:sp>
+              <a:t>Staging</a:t>
+            </a:r>
+            <a:r>
+              <a:rPr/>
+              <a:t> </a:t>
+            </a:r>
+            <a:r>
+              <a:rPr/>
+              <a:t>Groups</a:t>
+            </a:r>
+          </a:p>
+        </p:txBody>
+      </p:sp>
+      <p:pic>
+        <p:nvPicPr>
+          <p:cNvPr descr="../media/temporal_group_03.png" id="0" name="Picture 1"/>
+          <p:cNvPicPr>
+            <a:picLocks noGrp="1" noChangeAspect="1"/>
+          </p:cNvPicPr>
+          <p:nvPr/>
+        </p:nvPicPr>
+        <p:blipFill>
+          <a:blip r:embed="rId2"/>
+          <a:stretch>
+            <a:fillRect/>
+          </a:stretch>
+        </p:blipFill>
+        <p:spPr bwMode="auto">
+          <a:xfrm>
+            <a:off x="3911600" y="1600200"/>
+            <a:ext cx="4356100" cy="4521200"/>
+          </a:xfrm>
+          <a:prstGeom prst="rect">
+            <a:avLst/>
+          </a:prstGeom>
+          <a:noFill/>
+          <a:ln w="9525">
+            <a:noFill/>
+            <a:headEnd/>
+            <a:tailEnd/>
+          </a:ln>
+        </p:spPr>
+      </p:pic>
     </p:spTree>
   </p:cSld>
 </p:sld>
@@ -4149,6 +5998,55 @@
       </p:grpSpPr>
       <p:sp>
         <p:nvSpPr>
+          <p:cNvPr id="2" name="Title 1"/>
+          <p:cNvSpPr>
+            <a:spLocks noGrp="1"/>
+          </p:cNvSpPr>
+          <p:nvPr>
+            <p:ph type="title"/>
+          </p:nvPr>
+        </p:nvSpPr>
+        <p:spPr/>
+        <p:txBody>
+          <a:bodyPr/>
+          <a:lstStyle/>
+          <a:p>
+            <a:pPr lvl="0" marL="0" indent="0">
+              <a:buNone/>
+            </a:pPr>
+            <a:r>
+              <a:rPr/>
+              <a:t>Behavior</a:t>
+            </a:r>
+            <a:r>
+              <a:rPr/>
+              <a:t> </a:t>
+            </a:r>
+            <a:r>
+              <a:rPr/>
+              <a:t>#1:</a:t>
+            </a:r>
+            <a:r>
+              <a:rPr/>
+              <a:t> </a:t>
+            </a:r>
+            <a:r>
+              <a:rPr/>
+              <a:t>Clear</a:t>
+            </a:r>
+            <a:r>
+              <a:rPr/>
+              <a:t> </a:t>
+            </a:r>
+            <a:r>
+              <a:rPr/>
+              <a:t>Strategy</a:t>
+            </a:r>
+          </a:p>
+        </p:txBody>
+      </p:sp>
+      <p:sp>
+        <p:nvSpPr>
           <p:cNvPr id="3" name="Content Placeholder 2"/>
           <p:cNvSpPr>
             <a:spLocks noGrp="1"/>
@@ -4165,7 +6063,569 @@
             <a:pPr lvl="1"/>
             <a:r>
               <a:rPr/>
-              <a:t>Focus on concrete behaviors that somebody can adopt.</a:t>
+              <a:t>Clear goals. (Know what to do next).</a:t>
+            </a:r>
+          </a:p>
+          <a:p>
+            <a:pPr lvl="1"/>
+            <a:r>
+              <a:rPr/>
+              <a:t>Clear signal of progression towards goals (Tight feedback loop)</a:t>
+            </a:r>
+          </a:p>
+          <a:p>
+            <a:pPr lvl="1"/>
+            <a:r>
+              <a:rPr/>
+              <a:t>Challenging within margin of skill (Not too hard or easy. Just right)</a:t>
+            </a:r>
+          </a:p>
+          <a:p>
+            <a:pPr lvl="1"/>
+            <a:r>
+              <a:rPr/>
+              <a:t>Full control over the activity (Ownership / Authority)</a:t>
+            </a:r>
+          </a:p>
+        </p:txBody>
+      </p:sp>
+    </p:spTree>
+  </p:cSld>
+</p:sld>
+</file>
+
+<file path=ppt/slides/slide15.xml><?xml version="1.0" encoding="utf-8"?>
+<p:sld xmlns:a="http://schemas.openxmlformats.org/drawingml/2006/main" xmlns:r="http://schemas.openxmlformats.org/officeDocument/2006/relationships" xmlns:p="http://schemas.openxmlformats.org/presentationml/2006/main">
+  <p:cSld>
+    <p:spTree>
+      <p:nvGrpSpPr>
+        <p:cNvPr id="1" name=""/>
+        <p:cNvGrpSpPr/>
+        <p:nvPr/>
+      </p:nvGrpSpPr>
+      <p:grpSpPr>
+        <a:xfrm>
+          <a:off x="0" y="0"/>
+          <a:ext cx="0" cy="0"/>
+          <a:chOff x="0" y="0"/>
+          <a:chExt cx="0" cy="0"/>
+        </a:xfrm>
+      </p:grpSpPr>
+      <p:sp>
+        <p:nvSpPr>
+          <p:cNvPr id="2" name="Title 1"/>
+          <p:cNvSpPr>
+            <a:spLocks noGrp="1"/>
+          </p:cNvSpPr>
+          <p:nvPr>
+            <p:ph type="title"/>
+          </p:nvPr>
+        </p:nvSpPr>
+        <p:spPr/>
+        <p:txBody>
+          <a:bodyPr/>
+          <a:lstStyle/>
+          <a:p>
+            <a:pPr lvl="0" marL="0" indent="0">
+              <a:buNone/>
+            </a:pPr>
+            <a:r>
+              <a:rPr/>
+              <a:t>Clear</a:t>
+            </a:r>
+            <a:r>
+              <a:rPr/>
+              <a:t> </a:t>
+            </a:r>
+            <a:r>
+              <a:rPr/>
+              <a:t>Strategy</a:t>
+            </a:r>
+          </a:p>
+        </p:txBody>
+      </p:sp>
+      <p:sp>
+        <p:nvSpPr>
+          <p:cNvPr id="3" name="Content Placeholder 2"/>
+          <p:cNvSpPr>
+            <a:spLocks noGrp="1"/>
+          </p:cNvSpPr>
+          <p:nvPr>
+            <p:ph idx="1"/>
+          </p:nvPr>
+        </p:nvSpPr>
+        <p:spPr/>
+        <p:txBody>
+          <a:bodyPr/>
+          <a:lstStyle/>
+          <a:p>
+            <a:pPr lvl="1"/>
+            <a:r>
+              <a:rPr/>
+              <a:t>Agile methodology attempts to address this.</a:t>
+            </a:r>
+          </a:p>
+          <a:p>
+            <a:pPr lvl="1"/>
+            <a:r>
+              <a:rPr/>
+              <a:t>Definition of done</a:t>
+            </a:r>
+          </a:p>
+          <a:p>
+            <a:pPr lvl="1"/>
+            <a:r>
+              <a:rPr/>
+              <a:t>User Stories</a:t>
+            </a:r>
+          </a:p>
+          <a:p>
+            <a:pPr lvl="1"/>
+            <a:r>
+              <a:rPr/>
+              <a:t>Iterative progress</a:t>
+            </a:r>
+          </a:p>
+          <a:p>
+            <a:pPr lvl="1"/>
+            <a:r>
+              <a:rPr/>
+              <a:t>Well understood as Ability.</a:t>
+            </a:r>
+          </a:p>
+          <a:p>
+            <a:pPr lvl="2"/>
+            <a:r>
+              <a:rPr/>
+              <a:t>Can I do it?</a:t>
+            </a:r>
+          </a:p>
+        </p:txBody>
+      </p:sp>
+    </p:spTree>
+  </p:cSld>
+</p:sld>
+</file>
+
+<file path=ppt/slides/slide16.xml><?xml version="1.0" encoding="utf-8"?>
+<p:sld xmlns:a="http://schemas.openxmlformats.org/drawingml/2006/main" xmlns:r="http://schemas.openxmlformats.org/officeDocument/2006/relationships" xmlns:p="http://schemas.openxmlformats.org/presentationml/2006/main">
+  <p:cSld>
+    <p:spTree>
+      <p:nvGrpSpPr>
+        <p:cNvPr id="1" name=""/>
+        <p:cNvGrpSpPr/>
+        <p:nvPr/>
+      </p:nvGrpSpPr>
+      <p:grpSpPr>
+        <a:xfrm>
+          <a:off x="0" y="0"/>
+          <a:ext cx="0" cy="0"/>
+          <a:chOff x="0" y="0"/>
+          <a:chExt cx="0" cy="0"/>
+        </a:xfrm>
+      </p:grpSpPr>
+      <p:sp>
+        <p:nvSpPr>
+          <p:cNvPr id="2" name="Title 1"/>
+          <p:cNvSpPr>
+            <a:spLocks noGrp="1"/>
+          </p:cNvSpPr>
+          <p:nvPr>
+            <p:ph type="title"/>
+          </p:nvPr>
+        </p:nvSpPr>
+        <p:spPr/>
+        <p:txBody>
+          <a:bodyPr/>
+          <a:lstStyle/>
+          <a:p>
+            <a:pPr lvl="0" marL="0" indent="0">
+              <a:buNone/>
+            </a:pPr>
+            <a:r>
+              <a:rPr/>
+              <a:t>Behavior</a:t>
+            </a:r>
+            <a:r>
+              <a:rPr/>
+              <a:t> </a:t>
+            </a:r>
+            <a:r>
+              <a:rPr/>
+              <a:t>#2:</a:t>
+            </a:r>
+            <a:r>
+              <a:rPr/>
+              <a:t> </a:t>
+            </a:r>
+            <a:r>
+              <a:rPr/>
+              <a:t>Intrinsic</a:t>
+            </a:r>
+            <a:r>
+              <a:rPr/>
+              <a:t> </a:t>
+            </a:r>
+            <a:r>
+              <a:rPr/>
+              <a:t>Drive</a:t>
+            </a:r>
+          </a:p>
+        </p:txBody>
+      </p:sp>
+      <p:sp>
+        <p:nvSpPr>
+          <p:cNvPr id="3" name="Content Placeholder 2"/>
+          <p:cNvSpPr>
+            <a:spLocks noGrp="1"/>
+          </p:cNvSpPr>
+          <p:nvPr>
+            <p:ph idx="1"/>
+          </p:nvPr>
+        </p:nvSpPr>
+        <p:spPr/>
+        <p:txBody>
+          <a:bodyPr/>
+          <a:lstStyle/>
+          <a:p>
+            <a:pPr lvl="1"/>
+            <a:r>
+              <a:rPr/>
+              <a:t>Sense of Ownership</a:t>
+            </a:r>
+          </a:p>
+          <a:p>
+            <a:pPr lvl="1"/>
+            <a:r>
+              <a:rPr/>
+              <a:t>Feeling of Autonomy.</a:t>
+            </a:r>
+          </a:p>
+          <a:p>
+            <a:pPr lvl="1"/>
+            <a:r>
+              <a:rPr/>
+              <a:t>Mastery (always improving)</a:t>
+            </a:r>
+          </a:p>
+          <a:p>
+            <a:pPr lvl="1"/>
+            <a:r>
+              <a:rPr/>
+              <a:t>Somewhat understood as Motivation</a:t>
+            </a:r>
+          </a:p>
+          <a:p>
+            <a:pPr lvl="2"/>
+            <a:r>
+              <a:rPr/>
+              <a:t>Is it worth it?</a:t>
+            </a:r>
+          </a:p>
+        </p:txBody>
+      </p:sp>
+    </p:spTree>
+  </p:cSld>
+</p:sld>
+</file>
+
+<file path=ppt/slides/slide17.xml><?xml version="1.0" encoding="utf-8"?>
+<p:sld xmlns:a="http://schemas.openxmlformats.org/drawingml/2006/main" xmlns:r="http://schemas.openxmlformats.org/officeDocument/2006/relationships" xmlns:p="http://schemas.openxmlformats.org/presentationml/2006/main">
+  <p:cSld>
+    <p:spTree>
+      <p:nvGrpSpPr>
+        <p:cNvPr id="1" name=""/>
+        <p:cNvGrpSpPr/>
+        <p:nvPr/>
+      </p:nvGrpSpPr>
+      <p:grpSpPr>
+        <a:xfrm>
+          <a:off x="0" y="0"/>
+          <a:ext cx="0" cy="0"/>
+          <a:chOff x="0" y="0"/>
+          <a:chExt cx="0" cy="0"/>
+        </a:xfrm>
+      </p:grpSpPr>
+      <p:sp>
+        <p:nvSpPr>
+          <p:cNvPr id="2" name="Title 1"/>
+          <p:cNvSpPr>
+            <a:spLocks noGrp="1"/>
+          </p:cNvSpPr>
+          <p:nvPr>
+            <p:ph type="title"/>
+          </p:nvPr>
+        </p:nvSpPr>
+        <p:spPr/>
+        <p:txBody>
+          <a:bodyPr/>
+          <a:lstStyle/>
+          <a:p>
+            <a:pPr lvl="0" marL="0" indent="0">
+              <a:buNone/>
+            </a:pPr>
+            <a:r>
+              <a:rPr/>
+              <a:t>Intrinsic</a:t>
+            </a:r>
+            <a:r>
+              <a:rPr/>
+              <a:t> </a:t>
+            </a:r>
+            <a:r>
+              <a:rPr/>
+              <a:t>Drive</a:t>
+            </a:r>
+          </a:p>
+        </p:txBody>
+      </p:sp>
+      <p:sp>
+        <p:nvSpPr>
+          <p:cNvPr id="3" name="Content Placeholder 2"/>
+          <p:cNvSpPr>
+            <a:spLocks noGrp="1"/>
+          </p:cNvSpPr>
+          <p:nvPr>
+            <p:ph idx="1"/>
+          </p:nvPr>
+        </p:nvSpPr>
+        <p:spPr/>
+        <p:txBody>
+          <a:bodyPr/>
+          <a:lstStyle/>
+          <a:p>
+            <a:pPr lvl="1"/>
+            <a:r>
+              <a:rPr/>
+              <a:t>Beyond Mission, Vision statement from company.</a:t>
+            </a:r>
+          </a:p>
+          <a:p>
+            <a:pPr lvl="1"/>
+            <a:r>
+              <a:rPr/>
+              <a:t>Motivation that can only be intrinsic to the individual.</a:t>
+            </a:r>
+          </a:p>
+          <a:p>
+            <a:pPr lvl="1"/>
+            <a:r>
+              <a:rPr/>
+              <a:t>Can not come directly from delegation.</a:t>
+            </a:r>
+          </a:p>
+          <a:p>
+            <a:pPr lvl="1"/>
+            <a:r>
+              <a:rPr/>
+              <a:t>External motivations like money only temporarily boots motivation.</a:t>
+            </a:r>
+          </a:p>
+        </p:txBody>
+      </p:sp>
+    </p:spTree>
+  </p:cSld>
+</p:sld>
+</file>
+
+<file path=ppt/slides/slide18.xml><?xml version="1.0" encoding="utf-8"?>
+<p:sld xmlns:a="http://schemas.openxmlformats.org/drawingml/2006/main" xmlns:r="http://schemas.openxmlformats.org/officeDocument/2006/relationships" xmlns:p="http://schemas.openxmlformats.org/presentationml/2006/main">
+  <p:cSld>
+    <p:spTree>
+      <p:nvGrpSpPr>
+        <p:cNvPr id="1" name=""/>
+        <p:cNvGrpSpPr/>
+        <p:nvPr/>
+      </p:nvGrpSpPr>
+      <p:grpSpPr>
+        <a:xfrm>
+          <a:off x="0" y="0"/>
+          <a:ext cx="0" cy="0"/>
+          <a:chOff x="0" y="0"/>
+          <a:chExt cx="0" cy="0"/>
+        </a:xfrm>
+      </p:grpSpPr>
+      <p:sp>
+        <p:nvSpPr>
+          <p:cNvPr id="2" name="Title 1"/>
+          <p:cNvSpPr>
+            <a:spLocks noGrp="1"/>
+          </p:cNvSpPr>
+          <p:nvPr>
+            <p:ph type="title"/>
+          </p:nvPr>
+        </p:nvSpPr>
+        <p:spPr/>
+        <p:txBody>
+          <a:bodyPr/>
+          <a:lstStyle/>
+          <a:p>
+            <a:pPr lvl="0" marL="0" indent="0">
+              <a:buNone/>
+            </a:pPr>
+            <a:r>
+              <a:rPr/>
+              <a:t>Behavior</a:t>
+            </a:r>
+            <a:r>
+              <a:rPr/>
+              <a:t> </a:t>
+            </a:r>
+            <a:r>
+              <a:rPr/>
+              <a:t>#3:</a:t>
+            </a:r>
+            <a:r>
+              <a:rPr/>
+              <a:t> </a:t>
+            </a:r>
+            <a:r>
+              <a:rPr/>
+              <a:t>Contextual</a:t>
+            </a:r>
+            <a:r>
+              <a:rPr/>
+              <a:t> </a:t>
+            </a:r>
+            <a:r>
+              <a:rPr/>
+              <a:t>Awareness</a:t>
+            </a:r>
+          </a:p>
+        </p:txBody>
+      </p:sp>
+      <p:sp>
+        <p:nvSpPr>
+          <p:cNvPr id="3" name="Content Placeholder 2"/>
+          <p:cNvSpPr>
+            <a:spLocks noGrp="1"/>
+          </p:cNvSpPr>
+          <p:nvPr>
+            <p:ph idx="1"/>
+          </p:nvPr>
+        </p:nvSpPr>
+        <p:spPr/>
+        <p:txBody>
+          <a:bodyPr/>
+          <a:lstStyle/>
+          <a:p>
+            <a:pPr lvl="1"/>
+            <a:r>
+              <a:rPr/>
+              <a:t>The act of seeking awareness (as input) across the scalar dimensionality of people, software components, and time.</a:t>
+            </a:r>
+          </a:p>
+          <a:p>
+            <a:pPr lvl="1"/>
+            <a:r>
+              <a:rPr/>
+              <a:t>The act of transporting awareness outside of their contextual environment into the future short term and medium term.</a:t>
+            </a:r>
+          </a:p>
+          <a:p>
+            <a:pPr lvl="1"/>
+            <a:r>
+              <a:rPr/>
+              <a:t>Visibility of work over time.</a:t>
+            </a:r>
+          </a:p>
+          <a:p>
+            <a:pPr lvl="1"/>
+            <a:r>
+              <a:rPr/>
+              <a:t>Somewhat understood as DCog (Distributed Cognition)</a:t>
+            </a:r>
+          </a:p>
+        </p:txBody>
+      </p:sp>
+    </p:spTree>
+  </p:cSld>
+</p:sld>
+</file>
+
+<file path=ppt/slides/slide19.xml><?xml version="1.0" encoding="utf-8"?>
+<p:sld xmlns:a="http://schemas.openxmlformats.org/drawingml/2006/main" xmlns:r="http://schemas.openxmlformats.org/officeDocument/2006/relationships" xmlns:p="http://schemas.openxmlformats.org/presentationml/2006/main">
+  <p:cSld>
+    <p:spTree>
+      <p:nvGrpSpPr>
+        <p:cNvPr id="1" name=""/>
+        <p:cNvGrpSpPr/>
+        <p:nvPr/>
+      </p:nvGrpSpPr>
+      <p:grpSpPr>
+        <a:xfrm>
+          <a:off x="0" y="0"/>
+          <a:ext cx="0" cy="0"/>
+          <a:chOff x="0" y="0"/>
+          <a:chExt cx="0" cy="0"/>
+        </a:xfrm>
+      </p:grpSpPr>
+      <p:sp>
+        <p:nvSpPr>
+          <p:cNvPr id="2" name="Title 1"/>
+          <p:cNvSpPr>
+            <a:spLocks noGrp="1"/>
+          </p:cNvSpPr>
+          <p:nvPr>
+            <p:ph type="title"/>
+          </p:nvPr>
+        </p:nvSpPr>
+        <p:spPr/>
+        <p:txBody>
+          <a:bodyPr/>
+          <a:lstStyle/>
+          <a:p>
+            <a:pPr lvl="0" marL="0" indent="0">
+              <a:buNone/>
+            </a:pPr>
+            <a:r>
+              <a:rPr/>
+              <a:t>Contextual</a:t>
+            </a:r>
+            <a:r>
+              <a:rPr/>
+              <a:t> </a:t>
+            </a:r>
+            <a:r>
+              <a:rPr/>
+              <a:t>Awareness</a:t>
+            </a:r>
+          </a:p>
+        </p:txBody>
+      </p:sp>
+      <p:sp>
+        <p:nvSpPr>
+          <p:cNvPr id="3" name="Content Placeholder 2"/>
+          <p:cNvSpPr>
+            <a:spLocks noGrp="1"/>
+          </p:cNvSpPr>
+          <p:nvPr>
+            <p:ph idx="1"/>
+          </p:nvPr>
+        </p:nvSpPr>
+        <p:spPr/>
+        <p:txBody>
+          <a:bodyPr/>
+          <a:lstStyle/>
+          <a:p>
+            <a:pPr lvl="1"/>
+            <a:r>
+              <a:rPr/>
+              <a:t>Shared awareness of the group</a:t>
+            </a:r>
+          </a:p>
+          <a:p>
+            <a:pPr lvl="1"/>
+            <a:r>
+              <a:rPr/>
+              <a:t>Cognitive Artifacts</a:t>
+            </a:r>
+          </a:p>
+          <a:p>
+            <a:pPr lvl="1"/>
+            <a:r>
+              <a:rPr/>
+              <a:t>Share understanding of the group</a:t>
             </a:r>
           </a:p>
         </p:txBody>
@@ -4212,7 +6672,177 @@
             </a:pPr>
             <a:r>
               <a:rPr/>
-              <a:t>Why</a:t>
+              <a:t>Why?</a:t>
+            </a:r>
+          </a:p>
+        </p:txBody>
+      </p:sp>
+      <p:sp>
+        <p:nvSpPr>
+          <p:cNvPr id="3" name="Content Placeholder 2"/>
+          <p:cNvSpPr>
+            <a:spLocks noGrp="1"/>
+          </p:cNvSpPr>
+          <p:nvPr>
+            <p:ph idx="1"/>
+          </p:nvPr>
+        </p:nvSpPr>
+        <p:spPr/>
+        <p:txBody>
+          <a:bodyPr/>
+          <a:lstStyle/>
+          <a:p>
+            <a:pPr lvl="1"/>
+            <a:r>
+              <a:rPr/>
+              <a:t>Since Pandemic I started to feel disconnected with work; I was worried about my career in these times.</a:t>
+            </a:r>
+          </a:p>
+          <a:p>
+            <a:pPr lvl="1"/>
+            <a:r>
+              <a:rPr/>
+              <a:t>I started on quest for quest to make my job more enjoyable.</a:t>
+            </a:r>
+          </a:p>
+          <a:p>
+            <a:pPr lvl="1"/>
+            <a:r>
+              <a:rPr/>
+              <a:t>The behaviors that make work/job more enjoyable are also the behaviors that have greatest positive impact in our careers.</a:t>
+            </a:r>
+          </a:p>
+        </p:txBody>
+      </p:sp>
+    </p:spTree>
+  </p:cSld>
+</p:sld>
+</file>
+
+<file path=ppt/slides/slide20.xml><?xml version="1.0" encoding="utf-8"?>
+<p:sld xmlns:a="http://schemas.openxmlformats.org/drawingml/2006/main" xmlns:r="http://schemas.openxmlformats.org/officeDocument/2006/relationships" xmlns:p="http://schemas.openxmlformats.org/presentationml/2006/main">
+  <p:cSld>
+    <p:spTree>
+      <p:nvGrpSpPr>
+        <p:cNvPr id="1" name=""/>
+        <p:cNvGrpSpPr/>
+        <p:nvPr/>
+      </p:nvGrpSpPr>
+      <p:grpSpPr>
+        <a:xfrm>
+          <a:off x="0" y="0"/>
+          <a:ext cx="0" cy="0"/>
+          <a:chOff x="0" y="0"/>
+          <a:chExt cx="0" cy="0"/>
+        </a:xfrm>
+      </p:grpSpPr>
+      <p:sp>
+        <p:nvSpPr>
+          <p:cNvPr id="2" name="Title 1"/>
+          <p:cNvSpPr>
+            <a:spLocks noGrp="1"/>
+          </p:cNvSpPr>
+          <p:nvPr>
+            <p:ph type="title"/>
+          </p:nvPr>
+        </p:nvSpPr>
+        <p:spPr/>
+        <p:txBody>
+          <a:bodyPr/>
+          <a:lstStyle/>
+          <a:p>
+            <a:pPr lvl="0" marL="0" indent="0">
+              <a:buNone/>
+            </a:pPr>
+            <a:r>
+              <a:rPr/>
+              <a:t>Cognitive</a:t>
+            </a:r>
+            <a:r>
+              <a:rPr/>
+              <a:t> </a:t>
+            </a:r>
+            <a:r>
+              <a:rPr/>
+              <a:t>Systems</a:t>
+            </a:r>
+          </a:p>
+        </p:txBody>
+      </p:sp>
+      <p:sp>
+        <p:nvSpPr>
+          <p:cNvPr id="3" name="Content Placeholder 2"/>
+          <p:cNvSpPr>
+            <a:spLocks noGrp="1"/>
+          </p:cNvSpPr>
+          <p:nvPr>
+            <p:ph idx="1"/>
+          </p:nvPr>
+        </p:nvSpPr>
+        <p:spPr/>
+        <p:txBody>
+          <a:bodyPr/>
+          <a:lstStyle/>
+          <a:p>
+            <a:pPr lvl="1"/>
+            <a:r>
+              <a:rPr/>
+              <a:t>The trade off of Cognitive Artifacts is that is easier for somebody else to do your job.</a:t>
+            </a:r>
+          </a:p>
+        </p:txBody>
+      </p:sp>
+    </p:spTree>
+  </p:cSld>
+</p:sld>
+</file>
+
+<file path=ppt/slides/slide21.xml><?xml version="1.0" encoding="utf-8"?>
+<p:sld xmlns:a="http://schemas.openxmlformats.org/drawingml/2006/main" xmlns:r="http://schemas.openxmlformats.org/officeDocument/2006/relationships" xmlns:p="http://schemas.openxmlformats.org/presentationml/2006/main">
+  <p:cSld>
+    <p:spTree>
+      <p:nvGrpSpPr>
+        <p:cNvPr id="1" name=""/>
+        <p:cNvGrpSpPr/>
+        <p:nvPr/>
+      </p:nvGrpSpPr>
+      <p:grpSpPr>
+        <a:xfrm>
+          <a:off x="0" y="0"/>
+          <a:ext cx="0" cy="0"/>
+          <a:chOff x="0" y="0"/>
+          <a:chExt cx="0" cy="0"/>
+        </a:xfrm>
+      </p:grpSpPr>
+      <p:sp>
+        <p:nvSpPr>
+          <p:cNvPr id="2" name="Title 1"/>
+          <p:cNvSpPr>
+            <a:spLocks noGrp="1"/>
+          </p:cNvSpPr>
+          <p:nvPr>
+            <p:ph type="title"/>
+          </p:nvPr>
+        </p:nvSpPr>
+        <p:spPr/>
+        <p:txBody>
+          <a:bodyPr/>
+          <a:lstStyle/>
+          <a:p>
+            <a:pPr lvl="0" marL="0" indent="0">
+              <a:buNone/>
+            </a:pPr>
+            <a:r>
+              <a:rPr/>
+              <a:t>How</a:t>
+            </a:r>
+            <a:r>
+              <a:rPr/>
+              <a:t> </a:t>
+            </a:r>
+            <a:r>
+              <a:rPr/>
+              <a:t>does</a:t>
             </a:r>
             <a:r>
               <a:rPr/>
@@ -4228,7 +6858,23 @@
             </a:r>
             <a:r>
               <a:rPr/>
-              <a:t>talk?</a:t>
+              <a:t>related</a:t>
+            </a:r>
+            <a:r>
+              <a:rPr/>
+              <a:t> </a:t>
+            </a:r>
+            <a:r>
+              <a:rPr/>
+              <a:t>to</a:t>
+            </a:r>
+            <a:r>
+              <a:rPr/>
+              <a:t> </a:t>
+            </a:r>
+            <a:r>
+              <a:rPr/>
+              <a:t>career?</a:t>
             </a:r>
           </a:p>
         </p:txBody>
@@ -4251,21 +6897,309 @@
             <a:pPr lvl="1"/>
             <a:r>
               <a:rPr/>
-              <a:t>Since Pandemic I started to feel disconnected with work so I started to search for answers.</a:t>
+              <a:t>What are your Career OKR.</a:t>
             </a:r>
           </a:p>
           <a:p>
             <a:pPr lvl="1"/>
             <a:r>
               <a:rPr/>
-              <a:t>I wanted to find ways to make my job more enjoyable while also having the greatest impact.</a:t>
+              <a:t>Well being of the agent.</a:t>
+            </a:r>
+          </a:p>
+        </p:txBody>
+      </p:sp>
+    </p:spTree>
+  </p:cSld>
+</p:sld>
+</file>
+
+<file path=ppt/slides/slide22.xml><?xml version="1.0" encoding="utf-8"?>
+<p:sld xmlns:a="http://schemas.openxmlformats.org/drawingml/2006/main" xmlns:r="http://schemas.openxmlformats.org/officeDocument/2006/relationships" xmlns:p="http://schemas.openxmlformats.org/presentationml/2006/main">
+  <p:cSld>
+    <p:spTree>
+      <p:nvGrpSpPr>
+        <p:cNvPr id="1" name=""/>
+        <p:cNvGrpSpPr/>
+        <p:nvPr/>
+      </p:nvGrpSpPr>
+      <p:grpSpPr>
+        <a:xfrm>
+          <a:off x="0" y="0"/>
+          <a:ext cx="0" cy="0"/>
+          <a:chOff x="0" y="0"/>
+          <a:chExt cx="0" cy="0"/>
+        </a:xfrm>
+      </p:grpSpPr>
+      <p:sp>
+        <p:nvSpPr>
+          <p:cNvPr id="2" name="Title 1"/>
+          <p:cNvSpPr>
+            <a:spLocks noGrp="1"/>
+          </p:cNvSpPr>
+          <p:nvPr>
+            <p:ph type="title"/>
+          </p:nvPr>
+        </p:nvSpPr>
+        <p:spPr/>
+        <p:txBody>
+          <a:bodyPr/>
+          <a:lstStyle/>
+          <a:p>
+            <a:pPr lvl="0" marL="0" indent="0">
+              <a:buNone/>
+            </a:pPr>
+            <a:r>
+              <a:rPr/>
+              <a:t>Quest[ions]</a:t>
+            </a:r>
+          </a:p>
+        </p:txBody>
+      </p:sp>
+      <p:pic>
+        <p:nvPicPr>
+          <p:cNvPr descr="../media/synergies_questions.png" id="0" name="Picture 1"/>
+          <p:cNvPicPr>
+            <a:picLocks noGrp="1" noChangeAspect="1"/>
+          </p:cNvPicPr>
+          <p:nvPr/>
+        </p:nvPicPr>
+        <p:blipFill>
+          <a:blip r:embed="rId2"/>
+          <a:stretch>
+            <a:fillRect/>
+          </a:stretch>
+        </p:blipFill>
+        <p:spPr bwMode="auto">
+          <a:xfrm>
+            <a:off x="1587500" y="1600200"/>
+            <a:ext cx="9017000" cy="4521200"/>
+          </a:xfrm>
+          <a:prstGeom prst="rect">
+            <a:avLst/>
+          </a:prstGeom>
+          <a:noFill/>
+          <a:ln w="9525">
+            <a:noFill/>
+            <a:headEnd/>
+            <a:tailEnd/>
+          </a:ln>
+        </p:spPr>
+      </p:pic>
+    </p:spTree>
+  </p:cSld>
+</p:sld>
+</file>
+
+<file path=ppt/slides/slide23.xml><?xml version="1.0" encoding="utf-8"?>
+<p:sld xmlns:a="http://schemas.openxmlformats.org/drawingml/2006/main" xmlns:r="http://schemas.openxmlformats.org/officeDocument/2006/relationships" xmlns:p="http://schemas.openxmlformats.org/presentationml/2006/main">
+  <p:cSld>
+    <p:spTree>
+      <p:nvGrpSpPr>
+        <p:cNvPr id="1" name=""/>
+        <p:cNvGrpSpPr/>
+        <p:nvPr/>
+      </p:nvGrpSpPr>
+      <p:grpSpPr>
+        <a:xfrm>
+          <a:off x="0" y="0"/>
+          <a:ext cx="0" cy="0"/>
+          <a:chOff x="0" y="0"/>
+          <a:chExt cx="0" cy="0"/>
+        </a:xfrm>
+      </p:grpSpPr>
+      <p:sp>
+        <p:nvSpPr>
+          <p:cNvPr id="2" name="Title 1"/>
+          <p:cNvSpPr>
+            <a:spLocks noGrp="1"/>
+          </p:cNvSpPr>
+          <p:nvPr>
+            <p:ph type="title"/>
+          </p:nvPr>
+        </p:nvSpPr>
+        <p:spPr/>
+        <p:txBody>
+          <a:bodyPr/>
+          <a:lstStyle/>
+          <a:p>
+            <a:pPr lvl="0" marL="0" indent="0">
+              <a:buNone/>
+            </a:pPr>
+            <a:r>
+              <a:rPr/>
+              <a:t>Path</a:t>
+            </a:r>
+          </a:p>
+        </p:txBody>
+      </p:sp>
+      <p:pic>
+        <p:nvPicPr>
+          <p:cNvPr descr="../media/synergies_narrative_part1.png" id="0" name="Picture 1"/>
+          <p:cNvPicPr>
+            <a:picLocks noGrp="1" noChangeAspect="1"/>
+          </p:cNvPicPr>
+          <p:nvPr/>
+        </p:nvPicPr>
+        <p:blipFill>
+          <a:blip r:embed="rId2"/>
+          <a:stretch>
+            <a:fillRect/>
+          </a:stretch>
+        </p:blipFill>
+        <p:spPr bwMode="auto">
+          <a:xfrm>
+            <a:off x="609600" y="3175000"/>
+            <a:ext cx="10972800" cy="1384300"/>
+          </a:xfrm>
+          <a:prstGeom prst="rect">
+            <a:avLst/>
+          </a:prstGeom>
+          <a:noFill/>
+          <a:ln w="9525">
+            <a:noFill/>
+            <a:headEnd/>
+            <a:tailEnd/>
+          </a:ln>
+        </p:spPr>
+      </p:pic>
+    </p:spTree>
+  </p:cSld>
+</p:sld>
+</file>
+
+<file path=ppt/slides/slide24.xml><?xml version="1.0" encoding="utf-8"?>
+<p:sld xmlns:a="http://schemas.openxmlformats.org/drawingml/2006/main" xmlns:r="http://schemas.openxmlformats.org/officeDocument/2006/relationships" xmlns:p="http://schemas.openxmlformats.org/presentationml/2006/main">
+  <p:cSld>
+    <p:spTree>
+      <p:nvGrpSpPr>
+        <p:cNvPr id="1" name=""/>
+        <p:cNvGrpSpPr/>
+        <p:nvPr/>
+      </p:nvGrpSpPr>
+      <p:grpSpPr>
+        <a:xfrm>
+          <a:off x="0" y="0"/>
+          <a:ext cx="0" cy="0"/>
+          <a:chOff x="0" y="0"/>
+          <a:chExt cx="0" cy="0"/>
+        </a:xfrm>
+      </p:grpSpPr>
+      <p:sp>
+        <p:nvSpPr>
+          <p:cNvPr id="2" name="Title 1"/>
+          <p:cNvSpPr>
+            <a:spLocks noGrp="1"/>
+          </p:cNvSpPr>
+          <p:nvPr>
+            <p:ph type="title"/>
+          </p:nvPr>
+        </p:nvSpPr>
+        <p:spPr/>
+        <p:txBody>
+          <a:bodyPr/>
+          <a:lstStyle/>
+          <a:p>
+            <a:pPr lvl="0" marL="0" indent="0">
+              <a:buNone/>
+            </a:pPr>
+            <a:r>
+              <a:rPr/>
+              <a:t>Back[Story]</a:t>
+            </a:r>
+          </a:p>
+        </p:txBody>
+      </p:sp>
+      <p:pic>
+        <p:nvPicPr>
+          <p:cNvPr descr="../media/journey_cheyo.png" id="0" name="Picture 1"/>
+          <p:cNvPicPr>
+            <a:picLocks noGrp="1" noChangeAspect="1"/>
+          </p:cNvPicPr>
+          <p:nvPr/>
+        </p:nvPicPr>
+        <p:blipFill>
+          <a:blip r:embed="rId3"/>
+          <a:stretch>
+            <a:fillRect/>
+          </a:stretch>
+        </p:blipFill>
+        <p:spPr bwMode="auto">
+          <a:xfrm>
+            <a:off x="660400" y="1600200"/>
+            <a:ext cx="10883900" cy="4521200"/>
+          </a:xfrm>
+          <a:prstGeom prst="rect">
+            <a:avLst/>
+          </a:prstGeom>
+          <a:noFill/>
+          <a:ln w="9525">
+            <a:noFill/>
+            <a:headEnd/>
+            <a:tailEnd/>
+          </a:ln>
+        </p:spPr>
+      </p:pic>
+    </p:spTree>
+  </p:cSld>
+</p:sld>
+</file>
+
+<file path=ppt/slides/slide25.xml><?xml version="1.0" encoding="utf-8"?>
+<p:sld xmlns:a="http://schemas.openxmlformats.org/drawingml/2006/main" xmlns:r="http://schemas.openxmlformats.org/officeDocument/2006/relationships" xmlns:p="http://schemas.openxmlformats.org/presentationml/2006/main">
+  <p:cSld>
+    <p:spTree>
+      <p:nvGrpSpPr>
+        <p:cNvPr id="1" name=""/>
+        <p:cNvGrpSpPr/>
+        <p:nvPr/>
+      </p:nvGrpSpPr>
+      <p:grpSpPr>
+        <a:xfrm>
+          <a:off x="0" y="0"/>
+          <a:ext cx="0" cy="0"/>
+          <a:chOff x="0" y="0"/>
+          <a:chExt cx="0" cy="0"/>
+        </a:xfrm>
+      </p:grpSpPr>
+      <p:sp>
+        <p:nvSpPr>
+          <p:cNvPr id="3" name="Content Placeholder 2"/>
+          <p:cNvSpPr>
+            <a:spLocks noGrp="1"/>
+          </p:cNvSpPr>
+          <p:nvPr>
+            <p:ph idx="1"/>
+          </p:nvPr>
+        </p:nvSpPr>
+        <p:spPr/>
+        <p:txBody>
+          <a:bodyPr/>
+          <a:lstStyle/>
+          <a:p>
+            <a:pPr lvl="0" marL="0" indent="0">
+              <a:spcBef>
+                <a:spcPts val="3000"/>
+              </a:spcBef>
+              <a:buNone/>
+            </a:pPr>
+            <a:r>
+              <a:rPr b="1"/>
+              <a:t>Career: insights about levels</a:t>
             </a:r>
           </a:p>
           <a:p>
             <a:pPr lvl="1"/>
             <a:r>
               <a:rPr/>
-              <a:t>I want to grow as an engineer and also help others on the way.</a:t>
+              <a:t>Level in your career are more akin to different roles.</a:t>
+            </a:r>
+          </a:p>
+          <a:p>
+            <a:pPr lvl="1"/>
+            <a:r>
+              <a:rPr/>
+              <a:t>It is not a ladder, is a different role.</a:t>
             </a:r>
           </a:p>
         </p:txBody>
@@ -4335,7 +7269,7 @@
             <a:pPr lvl="1"/>
             <a:r>
               <a:rPr/>
-              <a:t>I will show you (3) behaviors groups that helped me feel back in control of my projects and career.</a:t>
+              <a:t>We will discuss (3) behaviors groups that helped me feel back in control of my projects and career.</a:t>
             </a:r>
           </a:p>
           <a:p>
@@ -4349,7 +7283,7 @@
             <a:pPr lvl="1"/>
             <a:r>
               <a:rPr/>
-              <a:t>Everybody is different. This is just one perspective.</a:t>
+              <a:t>Everybody’s context is different. I hope to transmit the general idea which can motivate you to come up with specific implementations.</a:t>
             </a:r>
           </a:p>
         </p:txBody>
@@ -4396,8 +7330,32 @@
             </a:pPr>
             <a:r>
               <a:rPr/>
+              <a:t>System</a:t>
+            </a:r>
+            <a:r>
+              <a:rPr/>
+              <a:t> </a:t>
+            </a:r>
+            <a:r>
+              <a:rPr/>
               <a:t>Dimensionality</a:t>
             </a:r>
+            <a:r>
+              <a:rPr/>
+              <a:t> </a:t>
+            </a:r>
+            <a:r>
+              <a:rPr/>
+              <a:t>(Scalar</a:t>
+            </a:r>
+            <a:r>
+              <a:rPr/>
+              <a:t> </a:t>
+            </a:r>
+            <a:r>
+              <a:rPr/>
+              <a:t>Nodes)</a:t>
+            </a:r>
           </a:p>
         </p:txBody>
       </p:sp>
@@ -4419,21 +7377,14 @@
             <a:pPr lvl="1"/>
             <a:r>
               <a:rPr/>
-              <a:t>People scalar (Person, Team, Group)</a:t>
+              <a:t>Human Agents (Person, Team, System)</a:t>
             </a:r>
           </a:p>
           <a:p>
             <a:pPr lvl="1"/>
             <a:r>
               <a:rPr/>
-              <a:t>Software scalar (Component, Cluster, System)</a:t>
-            </a:r>
-          </a:p>
-          <a:p>
-            <a:pPr lvl="1"/>
-            <a:r>
-              <a:rPr/>
-              <a:t>Time scalar (Short, Medium, Long)</a:t>
+              <a:t>Software Agents (Component, Cluster, System)</a:t>
             </a:r>
           </a:p>
         </p:txBody>
@@ -4480,7 +7431,15 @@
             </a:pPr>
             <a:r>
               <a:rPr/>
-              <a:t>Scope</a:t>
+              <a:t>Temporal</a:t>
+            </a:r>
+            <a:r>
+              <a:rPr/>
+              <a:t> </a:t>
+            </a:r>
+            <a:r>
+              <a:rPr/>
+              <a:t>System</a:t>
             </a:r>
           </a:p>
         </p:txBody>
@@ -4503,14 +7462,14 @@
             <a:pPr lvl="1"/>
             <a:r>
               <a:rPr/>
-              <a:t>People and Software from same team.</a:t>
-            </a:r>
-          </a:p>
-          <a:p>
-            <a:pPr lvl="1"/>
-            <a:r>
-              <a:rPr/>
-              <a:t>Time scale of short to medium term.</a:t>
+              <a:t>Time scalar (Short, Medium, Long)</a:t>
+            </a:r>
+          </a:p>
+          <a:p>
+            <a:pPr lvl="2"/>
+            <a:r>
+              <a:rPr/>
+              <a:t>Change is the only constant</a:t>
             </a:r>
           </a:p>
         </p:txBody>
@@ -4557,15 +7516,15 @@
             </a:pPr>
             <a:r>
               <a:rPr/>
-              <a:t>Meta</a:t>
-            </a:r>
-            <a:r>
-              <a:rPr/>
-              <a:t> </a:t>
-            </a:r>
-            <a:r>
-              <a:rPr/>
-              <a:t>Procedure</a:t>
+              <a:t>Complex</a:t>
+            </a:r>
+            <a:r>
+              <a:rPr/>
+              <a:t> </a:t>
+            </a:r>
+            <a:r>
+              <a:rPr/>
+              <a:t>system</a:t>
             </a:r>
           </a:p>
         </p:txBody>
@@ -4588,28 +7547,7 @@
             <a:pPr lvl="1"/>
             <a:r>
               <a:rPr/>
-              <a:t>We will start with the individual person and a singular project (component).</a:t>
-            </a:r>
-          </a:p>
-          <a:p>
-            <a:pPr lvl="1"/>
-            <a:r>
-              <a:rPr/>
-              <a:t>We will explore current, short term future, medium term future</a:t>
-            </a:r>
-          </a:p>
-          <a:p>
-            <a:pPr lvl="1"/>
-            <a:r>
-              <a:rPr/>
-              <a:t>We will do a temporal shift to past (current), present (short term), future (medium term)</a:t>
-            </a:r>
-          </a:p>
-          <a:p>
-            <a:pPr lvl="1"/>
-            <a:r>
-              <a:rPr/>
-              <a:t>This part is well understood</a:t>
+              <a:t>Engineering is very interesting in the aspect that while we humans are part of the system that we create, we are also able to create agents to remove toil and pain from our system. (There are trade offs)</a:t>
             </a:r>
           </a:p>
         </p:txBody>
@@ -4656,15 +7594,23 @@
             </a:pPr>
             <a:r>
               <a:rPr/>
-              <a:t>Meta</a:t>
-            </a:r>
-            <a:r>
-              <a:rPr/>
-              <a:t> </a:t>
-            </a:r>
-            <a:r>
-              <a:rPr/>
-              <a:t>Stage</a:t>
+              <a:t>Agent</a:t>
+            </a:r>
+            <a:r>
+              <a:rPr/>
+              <a:t> </a:t>
+            </a:r>
+            <a:r>
+              <a:rPr/>
+              <a:t>grouping</a:t>
+            </a:r>
+            <a:r>
+              <a:rPr/>
+              <a:t> </a:t>
+            </a:r>
+            <a:r>
+              <a:rPr/>
+              <a:t>distributions</a:t>
             </a:r>
           </a:p>
         </p:txBody>
@@ -4687,28 +7633,28 @@
             <a:pPr lvl="1"/>
             <a:r>
               <a:rPr/>
-              <a:t>We will start with the individual person and a singular project (component).</a:t>
+              <a:t>While we have different names for human vs software we will standardize Singular, Group, System</a:t>
             </a:r>
           </a:p>
           <a:p>
             <a:pPr lvl="1"/>
             <a:r>
               <a:rPr/>
-              <a:t>We will explore current, short term future, medium term future</a:t>
+              <a:t>A singular agent across time forms a Group. Temporal distributed group.</a:t>
             </a:r>
           </a:p>
           <a:p>
             <a:pPr lvl="1"/>
             <a:r>
               <a:rPr/>
-              <a:t>We will do a temporal shift to past (current), present (short term), future (medium term)</a:t>
+              <a:t>Multiple agents that exist with the same temporal short term are a Group. They do not have to be active at the same time but must be available to become active. Temporal Concurrent group (distributed over space)</a:t>
             </a:r>
           </a:p>
           <a:p>
             <a:pPr lvl="1"/>
             <a:r>
               <a:rPr/>
-              <a:t>This part is well understood.</a:t>
+              <a:t>An agent group (same identity) across time form a System. Temporal distributed system.</a:t>
             </a:r>
           </a:p>
         </p:txBody>
@@ -4755,23 +7701,7 @@
             </a:pPr>
             <a:r>
               <a:rPr/>
-              <a:t>Meta</a:t>
-            </a:r>
-            <a:r>
-              <a:rPr/>
-              <a:t> </a:t>
-            </a:r>
-            <a:r>
-              <a:rPr/>
-              <a:t>Stage</a:t>
-            </a:r>
-            <a:r>
-              <a:rPr/>
-              <a:t> </a:t>
-            </a:r>
-            <a:r>
-              <a:rPr/>
-              <a:t>Next</a:t>
+              <a:t>Scope</a:t>
             </a:r>
           </a:p>
         </p:txBody>
@@ -4794,28 +7724,21 @@
             <a:pPr lvl="1"/>
             <a:r>
               <a:rPr/>
-              <a:t>We will continue with the singular person but we will introduce multiple projects at different levels of progress.</a:t>
+              <a:t>People and Software from same singular system.</a:t>
+            </a:r>
+          </a:p>
+          <a:p>
+            <a:pPr lvl="2"/>
+            <a:r>
+              <a:rPr/>
+              <a:t>Out of scope: The system over time.</a:t>
             </a:r>
           </a:p>
           <a:p>
             <a:pPr lvl="1"/>
             <a:r>
               <a:rPr/>
-              <a:t>Some projects are fun while others are not.</a:t>
-            </a:r>
-          </a:p>
-          <a:p>
-            <a:pPr lvl="1"/>
-            <a:r>
-              <a:rPr/>
-              <a:t>How does this individual feel motivated? (now add a pandemic on top of this)</a:t>
-            </a:r>
-          </a:p>
-          <a:p>
-            <a:pPr lvl="1"/>
-            <a:r>
-              <a:rPr/>
-              <a:t>This part is somewhat understood.</a:t>
+              <a:t>Time scale of short to medium term.</a:t>
             </a:r>
           </a:p>
         </p:txBody>
@@ -4862,71 +7785,41 @@
             </a:pPr>
             <a:r>
               <a:rPr/>
-              <a:t>Meta</a:t>
-            </a:r>
-            <a:r>
-              <a:rPr/>
-              <a:t> </a:t>
-            </a:r>
-            <a:r>
-              <a:rPr/>
-              <a:t>Stage</a:t>
-            </a:r>
-            <a:r>
-              <a:rPr/>
-              <a:t> </a:t>
-            </a:r>
-            <a:r>
-              <a:rPr/>
-              <a:t>Redo</a:t>
-            </a:r>
-          </a:p>
-        </p:txBody>
-      </p:sp>
-      <p:sp>
-        <p:nvSpPr>
-          <p:cNvPr id="3" name="Content Placeholder 2"/>
-          <p:cNvSpPr>
-            <a:spLocks noGrp="1"/>
-          </p:cNvSpPr>
-          <p:nvPr>
-            <p:ph idx="1"/>
-          </p:nvPr>
-        </p:nvSpPr>
-        <p:spPr/>
-        <p:txBody>
-          <a:bodyPr/>
-          <a:lstStyle/>
-          <a:p>
-            <a:pPr lvl="1"/>
-            <a:r>
-              <a:rPr/>
-              <a:t>We will imagine a team of individuals (each with different systems of components) that need to interact with each other.</a:t>
-            </a:r>
-          </a:p>
-          <a:p>
-            <a:pPr lvl="1"/>
-            <a:r>
-              <a:rPr/>
-              <a:t>New people being added, and people moving teams, projects changing ownership.</a:t>
-            </a:r>
-          </a:p>
-          <a:p>
-            <a:pPr lvl="1"/>
-            <a:r>
-              <a:rPr/>
-              <a:t>Team and software over time.</a:t>
-            </a:r>
-          </a:p>
-          <a:p>
-            <a:pPr lvl="1"/>
-            <a:r>
-              <a:rPr/>
-              <a:t>This part is not well understood.</a:t>
-            </a:r>
-          </a:p>
-        </p:txBody>
-      </p:sp>
+              <a:t>Staging</a:t>
+            </a:r>
+          </a:p>
+        </p:txBody>
+      </p:sp>
+      <p:pic>
+        <p:nvPicPr>
+          <p:cNvPr descr="../media/temporal_group_01.png" id="0" name="Picture 1"/>
+          <p:cNvPicPr>
+            <a:picLocks noGrp="1" noChangeAspect="1"/>
+          </p:cNvPicPr>
+          <p:nvPr/>
+        </p:nvPicPr>
+        <p:blipFill>
+          <a:blip r:embed="rId3"/>
+          <a:stretch>
+            <a:fillRect/>
+          </a:stretch>
+        </p:blipFill>
+        <p:spPr bwMode="auto">
+          <a:xfrm>
+            <a:off x="3835400" y="1600200"/>
+            <a:ext cx="4533900" cy="4521200"/>
+          </a:xfrm>
+          <a:prstGeom prst="rect">
+            <a:avLst/>
+          </a:prstGeom>
+          <a:noFill/>
+          <a:ln w="9525">
+            <a:noFill/>
+            <a:headEnd/>
+            <a:tailEnd/>
+          </a:ln>
+        </p:spPr>
+      </p:pic>
     </p:spTree>
   </p:cSld>
 </p:sld>
